--- a/Панов параллельное программирование.pptx
+++ b/Панов параллельное программирование.pptx
@@ -3976,11 +3976,7 @@
           <a:p>
             <a:r>
               <a:rPr lang="ru-RU" dirty="0" smtClean="0"/>
-              <a:t>Практическ</a:t>
-            </a:r>
-            <a:r>
-              <a:rPr lang="ru-RU" dirty="0" smtClean="0"/>
-              <a:t>ое применение</a:t>
+              <a:t>Практическое применение</a:t>
             </a:r>
             <a:endParaRPr lang="ru-RU" dirty="0"/>
           </a:p>
@@ -4315,19 +4311,23 @@
             </a:pPr>
             <a:r>
               <a:rPr lang="ru-RU" dirty="0" smtClean="0"/>
-              <a:t>С помощью коэффициентов Фурье полученных при </a:t>
+              <a:t>С помощью рядов Фурье можно не только аппроксимировать функцию, но и </a:t>
             </a:r>
             <a:r>
               <a:rPr lang="en-US" dirty="0" smtClean="0"/>
-              <a:t>N = 11 </a:t>
+              <a:t>“</a:t>
             </a:r>
             <a:r>
               <a:rPr lang="ru-RU" dirty="0" smtClean="0"/>
-              <a:t>построим синус в 44 точках</a:t>
+              <a:t>фильтровать</a:t>
             </a:r>
             <a:r>
               <a:rPr lang="en-US" dirty="0" smtClean="0"/>
-              <a:t>:</a:t>
+              <a:t>”</a:t>
+            </a:r>
+            <a:r>
+              <a:rPr lang="ru-RU" dirty="0" smtClean="0"/>
+              <a:t> её.</a:t>
             </a:r>
             <a:endParaRPr lang="ru-RU" dirty="0"/>
           </a:p>
@@ -4397,26 +4397,110 @@
       </p:sp>
       <p:pic>
         <p:nvPicPr>
-          <p:cNvPr id="8" name="Рисунок 7"/>
+          <p:cNvPr id="1026" name="Рисунок 1"/>
           <p:cNvPicPr>
-            <a:picLocks noChangeAspect="1"/>
+            <a:picLocks noChangeAspect="1" noChangeArrowheads="1"/>
           </p:cNvPicPr>
           <p:nvPr/>
         </p:nvPicPr>
         <p:blipFill>
-          <a:blip r:embed="rId2"/>
+          <a:blip r:embed="rId2">
+            <a:extLst>
+              <a:ext uri="{28A0092B-C50C-407E-A947-70E740481C1C}">
+                <a14:useLocalDpi xmlns:a14="http://schemas.microsoft.com/office/drawing/2010/main" val="0"/>
+              </a:ext>
+            </a:extLst>
+          </a:blip>
+          <a:srcRect/>
           <a:stretch>
             <a:fillRect/>
           </a:stretch>
         </p:blipFill>
-        <p:spPr>
+        <p:spPr bwMode="auto">
           <a:xfrm>
-            <a:off x="838198" y="2628324"/>
-            <a:ext cx="8468484" cy="3851508"/>
+            <a:off x="280823" y="2624739"/>
+            <a:ext cx="5757512" cy="3779236"/>
           </a:xfrm>
           <a:prstGeom prst="rect">
             <a:avLst/>
           </a:prstGeom>
+          <a:noFill/>
+          <a:ln>
+            <a:noFill/>
+          </a:ln>
+          <a:extLst>
+            <a:ext uri="{909E8E84-426E-40DD-AFC4-6F175D3DCCD1}">
+              <a14:hiddenFill xmlns:a14="http://schemas.microsoft.com/office/drawing/2010/main">
+                <a:solidFill>
+                  <a:srgbClr val="FFFFFF"/>
+                </a:solidFill>
+              </a14:hiddenFill>
+            </a:ext>
+            <a:ext uri="{91240B29-F687-4F45-9708-019B960494DF}">
+              <a14:hiddenLine xmlns:a14="http://schemas.microsoft.com/office/drawing/2010/main" w="9525">
+                <a:solidFill>
+                  <a:srgbClr val="000000"/>
+                </a:solidFill>
+                <a:miter lim="800000"/>
+                <a:headEnd/>
+                <a:tailEnd/>
+              </a14:hiddenLine>
+            </a:ext>
+          </a:extLst>
+        </p:spPr>
+      </p:pic>
+      <p:pic>
+        <p:nvPicPr>
+          <p:cNvPr id="1027" name="Рисунок 1"/>
+          <p:cNvPicPr>
+            <a:picLocks noChangeAspect="1" noChangeArrowheads="1"/>
+          </p:cNvPicPr>
+          <p:nvPr/>
+        </p:nvPicPr>
+        <p:blipFill>
+          <a:blip r:embed="rId3">
+            <a:extLst>
+              <a:ext uri="{28A0092B-C50C-407E-A947-70E740481C1C}">
+                <a14:useLocalDpi xmlns:a14="http://schemas.microsoft.com/office/drawing/2010/main" val="0"/>
+              </a:ext>
+            </a:extLst>
+          </a:blip>
+          <a:srcRect/>
+          <a:stretch>
+            <a:fillRect/>
+          </a:stretch>
+        </p:blipFill>
+        <p:spPr bwMode="auto">
+          <a:xfrm>
+            <a:off x="6096000" y="2726724"/>
+            <a:ext cx="5757512" cy="3677251"/>
+          </a:xfrm>
+          <a:prstGeom prst="rect">
+            <a:avLst/>
+          </a:prstGeom>
+          <a:noFill/>
+          <a:ln>
+            <a:noFill/>
+          </a:ln>
+          <a:extLst>
+            <a:ext uri="{909E8E84-426E-40DD-AFC4-6F175D3DCCD1}">
+              <a14:hiddenFill xmlns:a14="http://schemas.microsoft.com/office/drawing/2010/main">
+                <a:solidFill>
+                  <a:srgbClr val="FFFFFF"/>
+                </a:solidFill>
+              </a14:hiddenFill>
+            </a:ext>
+            <a:ext uri="{91240B29-F687-4F45-9708-019B960494DF}">
+              <a14:hiddenLine xmlns:a14="http://schemas.microsoft.com/office/drawing/2010/main" w="9525">
+                <a:solidFill>
+                  <a:srgbClr val="000000"/>
+                </a:solidFill>
+                <a:miter lim="800000"/>
+                <a:headEnd/>
+                <a:tailEnd/>
+              </a14:hiddenLine>
+            </a:ext>
+          </a:extLst>
         </p:spPr>
       </p:pic>
     </p:spTree>
@@ -5361,22 +5445,19 @@
           <a:p>
             <a:r>
               <a:rPr lang="ru-RU" dirty="0" smtClean="0"/>
-              <a:t>Практическое </a:t>
-            </a:r>
+              <a:t>Практическое применение</a:t>
+            </a:r>
+          </a:p>
+          <a:p>
+            <a:r>
+              <a:rPr lang="ru-RU" dirty="0"/>
+              <a:t>Результаты экспериментов </a:t>
+            </a:r>
+            <a:endParaRPr lang="en-US" dirty="0" smtClean="0"/>
+          </a:p>
+          <a:p>
             <a:r>
               <a:rPr lang="ru-RU" dirty="0" smtClean="0"/>
-              <a:t>применение</a:t>
-            </a:r>
-          </a:p>
-          <a:p>
-            <a:r>
-              <a:rPr lang="ru-RU" dirty="0" smtClean="0"/>
-              <a:t>Масштабирование</a:t>
-            </a:r>
-          </a:p>
-          <a:p>
-            <a:r>
-              <a:rPr lang="ru-RU" smtClean="0"/>
               <a:t>Заключение</a:t>
             </a:r>
             <a:endParaRPr lang="ru-RU" dirty="0" smtClean="0"/>

--- a/Панов параллельное программирование.pptx
+++ b/Панов параллельное программирование.pptx
@@ -5,10 +5,10 @@
     <p:sldMasterId id="2147483648" r:id="rId1"/>
   </p:sldMasterIdLst>
   <p:notesMasterIdLst>
-    <p:notesMasterId r:id="rId17"/>
+    <p:notesMasterId r:id="rId19"/>
   </p:notesMasterIdLst>
   <p:handoutMasterIdLst>
-    <p:handoutMasterId r:id="rId18"/>
+    <p:handoutMasterId r:id="rId20"/>
   </p:handoutMasterIdLst>
   <p:sldIdLst>
     <p:sldId id="256" r:id="rId2"/>
@@ -23,9 +23,11 @@
     <p:sldId id="259" r:id="rId11"/>
     <p:sldId id="289" r:id="rId12"/>
     <p:sldId id="290" r:id="rId13"/>
-    <p:sldId id="264" r:id="rId14"/>
-    <p:sldId id="280" r:id="rId15"/>
-    <p:sldId id="281" r:id="rId16"/>
+    <p:sldId id="291" r:id="rId14"/>
+    <p:sldId id="292" r:id="rId15"/>
+    <p:sldId id="264" r:id="rId16"/>
+    <p:sldId id="280" r:id="rId17"/>
+    <p:sldId id="281" r:id="rId18"/>
   </p:sldIdLst>
   <p:sldSz cx="12192000" cy="6858000"/>
   <p:notesSz cx="6858000" cy="9144000"/>
@@ -141,6 +143,8 @@
             <p14:sldId id="259"/>
             <p14:sldId id="289"/>
             <p14:sldId id="290"/>
+            <p14:sldId id="291"/>
+            <p14:sldId id="292"/>
             <p14:sldId id="264"/>
             <p14:sldId id="280"/>
             <p14:sldId id="281"/>
@@ -252,7 +256,7 @@
           <a:p>
             <a:fld id="{562ECBAB-A191-48CB-AA2D-AD74F7D789FC}" type="datetimeFigureOut">
               <a:rPr lang="ru-RU" smtClean="0"/>
-              <a:t>22.12.2017</a:t>
+              <a:t>23.12.2017</a:t>
             </a:fld>
             <a:endParaRPr lang="ru-RU"/>
           </a:p>
@@ -417,7 +421,7 @@
           <a:p>
             <a:fld id="{B88BF984-7B69-4509-8B5D-E5DE7A08DA78}" type="datetimeFigureOut">
               <a:rPr lang="ru-RU" smtClean="0"/>
-              <a:t>22.12.2017</a:t>
+              <a:t>23.12.2017</a:t>
             </a:fld>
             <a:endParaRPr lang="ru-RU"/>
           </a:p>
@@ -982,7 +986,7 @@
           <a:p>
             <a:fld id="{747A63E8-DD31-49C3-AE55-E51CDCD4C387}" type="datetime1">
               <a:rPr lang="ru-RU" smtClean="0"/>
-              <a:t>22.12.2017</a:t>
+              <a:t>23.12.2017</a:t>
             </a:fld>
             <a:endParaRPr lang="ru-RU" dirty="0"/>
           </a:p>
@@ -1150,7 +1154,7 @@
           <a:p>
             <a:fld id="{DF1CB122-7A80-4E2C-AD56-2916ADCE42AE}" type="datetime1">
               <a:rPr lang="ru-RU" smtClean="0"/>
-              <a:t>22.12.2017</a:t>
+              <a:t>23.12.2017</a:t>
             </a:fld>
             <a:endParaRPr lang="ru-RU" dirty="0"/>
           </a:p>
@@ -1328,7 +1332,7 @@
           <a:p>
             <a:fld id="{12C67EE0-EAAA-42E6-87D9-3C9996DD2481}" type="datetime1">
               <a:rPr lang="ru-RU" smtClean="0"/>
-              <a:t>22.12.2017</a:t>
+              <a:t>23.12.2017</a:t>
             </a:fld>
             <a:endParaRPr lang="ru-RU" dirty="0"/>
           </a:p>
@@ -1496,7 +1500,7 @@
           <a:p>
             <a:fld id="{351CC8BE-AD28-495A-8703-68D005B61FD4}" type="datetime1">
               <a:rPr lang="ru-RU" smtClean="0"/>
-              <a:t>22.12.2017</a:t>
+              <a:t>23.12.2017</a:t>
             </a:fld>
             <a:endParaRPr lang="ru-RU" dirty="0"/>
           </a:p>
@@ -1741,7 +1745,7 @@
           <a:p>
             <a:fld id="{8E8154CC-C0AC-43E1-92BC-B8EA104741ED}" type="datetime1">
               <a:rPr lang="ru-RU" smtClean="0"/>
-              <a:t>22.12.2017</a:t>
+              <a:t>23.12.2017</a:t>
             </a:fld>
             <a:endParaRPr lang="ru-RU" dirty="0"/>
           </a:p>
@@ -1970,7 +1974,7 @@
           <a:p>
             <a:fld id="{7CCFB35D-CD14-45FA-83F0-CF62DBA2CEDF}" type="datetime1">
               <a:rPr lang="ru-RU" smtClean="0"/>
-              <a:t>22.12.2017</a:t>
+              <a:t>23.12.2017</a:t>
             </a:fld>
             <a:endParaRPr lang="ru-RU" dirty="0"/>
           </a:p>
@@ -2334,7 +2338,7 @@
           <a:p>
             <a:fld id="{66008331-B42E-4754-9AC6-2D951F3FFD80}" type="datetime1">
               <a:rPr lang="ru-RU" smtClean="0"/>
-              <a:t>22.12.2017</a:t>
+              <a:t>23.12.2017</a:t>
             </a:fld>
             <a:endParaRPr lang="ru-RU" dirty="0"/>
           </a:p>
@@ -2451,7 +2455,7 @@
           <a:p>
             <a:fld id="{D33E105D-4857-42DD-B995-B1BBC3B0CC26}" type="datetime1">
               <a:rPr lang="ru-RU" smtClean="0"/>
-              <a:t>22.12.2017</a:t>
+              <a:t>23.12.2017</a:t>
             </a:fld>
             <a:endParaRPr lang="ru-RU" dirty="0"/>
           </a:p>
@@ -2546,7 +2550,7 @@
           <a:p>
             <a:fld id="{C8AE6D2C-A021-4F51-B525-BBF4A2DB2B19}" type="datetime1">
               <a:rPr lang="ru-RU" smtClean="0"/>
-              <a:t>22.12.2017</a:t>
+              <a:t>23.12.2017</a:t>
             </a:fld>
             <a:endParaRPr lang="ru-RU" dirty="0"/>
           </a:p>
@@ -2821,7 +2825,7 @@
           <a:p>
             <a:fld id="{8FF7F036-0404-4558-A8AD-D3322BCF0164}" type="datetime1">
               <a:rPr lang="ru-RU" smtClean="0"/>
-              <a:t>22.12.2017</a:t>
+              <a:t>23.12.2017</a:t>
             </a:fld>
             <a:endParaRPr lang="ru-RU" dirty="0"/>
           </a:p>
@@ -3073,7 +3077,7 @@
           <a:p>
             <a:fld id="{7B020E7F-41BC-413E-B8CE-8E386011314E}" type="datetime1">
               <a:rPr lang="ru-RU" smtClean="0"/>
-              <a:t>22.12.2017</a:t>
+              <a:t>23.12.2017</a:t>
             </a:fld>
             <a:endParaRPr lang="ru-RU" dirty="0"/>
           </a:p>
@@ -3284,7 +3288,7 @@
           <a:p>
             <a:fld id="{BEF8A5F9-2BA9-4D40-AE41-4B1112D93FBC}" type="datetime1">
               <a:rPr lang="ru-RU" smtClean="0"/>
-              <a:t>22.12.2017</a:t>
+              <a:t>23.12.2017</a:t>
             </a:fld>
             <a:endParaRPr lang="ru-RU" dirty="0"/>
           </a:p>
@@ -4083,6 +4087,74 @@
           </a:prstGeom>
         </p:spPr>
       </p:pic>
+      <p:pic>
+        <p:nvPicPr>
+          <p:cNvPr id="8" name="Picture 3"/>
+          <p:cNvPicPr>
+            <a:picLocks noChangeAspect="1" noChangeArrowheads="1"/>
+          </p:cNvPicPr>
+          <p:nvPr/>
+        </p:nvPicPr>
+        <p:blipFill>
+          <a:blip r:embed="rId4">
+            <a:extLst>
+              <a:ext uri="{28A0092B-C50C-407E-A947-70E740481C1C}">
+                <a14:useLocalDpi xmlns:a14="http://schemas.microsoft.com/office/drawing/2010/main" val="0"/>
+              </a:ext>
+            </a:extLst>
+          </a:blip>
+          <a:srcRect/>
+          <a:stretch>
+            <a:fillRect/>
+          </a:stretch>
+        </p:blipFill>
+        <p:spPr bwMode="auto">
+          <a:xfrm>
+            <a:off x="9477806" y="185738"/>
+            <a:ext cx="2426687" cy="680733"/>
+          </a:xfrm>
+          <a:prstGeom prst="rect">
+            <a:avLst/>
+          </a:prstGeom>
+          <a:noFill/>
+          <a:ln>
+            <a:noFill/>
+          </a:ln>
+          <a:effectLst/>
+          <a:extLst>
+            <a:ext uri="{909E8E84-426E-40DD-AFC4-6F175D3DCCD1}">
+              <a14:hiddenFill xmlns:a14="http://schemas.microsoft.com/office/drawing/2010/main">
+                <a:blipFill dpi="0" rotWithShape="0">
+                  <a:blip/>
+                  <a:srcRect/>
+                  <a:stretch>
+                    <a:fillRect/>
+                  </a:stretch>
+                </a:blipFill>
+              </a14:hiddenFill>
+            </a:ext>
+            <a:ext uri="{91240B29-F687-4F45-9708-019B960494DF}">
+              <a14:hiddenLine xmlns:a14="http://schemas.microsoft.com/office/drawing/2010/main" w="9525" cap="flat">
+                <a:solidFill>
+                  <a:srgbClr val="808080"/>
+                </a:solidFill>
+                <a:round/>
+                <a:headEnd/>
+                <a:tailEnd/>
+              </a14:hiddenLine>
+            </a:ext>
+            <a:ext uri="{AF507438-7753-43E0-B8FC-AC1667EBCBE1}">
+              <a14:hiddenEffects xmlns:a14="http://schemas.microsoft.com/office/drawing/2010/main">
+                <a:effectLst>
+                  <a:outerShdw dist="35921" dir="2700000" algn="ctr" rotWithShape="0">
+                    <a:srgbClr val="808080"/>
+                  </a:outerShdw>
+                </a:effectLst>
+              </a14:hiddenEffects>
+            </a:ext>
+          </a:extLst>
+        </p:spPr>
+      </p:pic>
     </p:spTree>
     <p:extLst>
       <p:ext uri="{BB962C8B-B14F-4D97-AF65-F5344CB8AC3E}">
@@ -4247,6 +4319,74 @@
           <a:prstGeom prst="rect">
             <a:avLst/>
           </a:prstGeom>
+        </p:spPr>
+      </p:pic>
+      <p:pic>
+        <p:nvPicPr>
+          <p:cNvPr id="6" name="Picture 3"/>
+          <p:cNvPicPr>
+            <a:picLocks noChangeAspect="1" noChangeArrowheads="1"/>
+          </p:cNvPicPr>
+          <p:nvPr/>
+        </p:nvPicPr>
+        <p:blipFill>
+          <a:blip r:embed="rId3">
+            <a:extLst>
+              <a:ext uri="{28A0092B-C50C-407E-A947-70E740481C1C}">
+                <a14:useLocalDpi xmlns:a14="http://schemas.microsoft.com/office/drawing/2010/main" val="0"/>
+              </a:ext>
+            </a:extLst>
+          </a:blip>
+          <a:srcRect/>
+          <a:stretch>
+            <a:fillRect/>
+          </a:stretch>
+        </p:blipFill>
+        <p:spPr bwMode="auto">
+          <a:xfrm>
+            <a:off x="9477806" y="185738"/>
+            <a:ext cx="2426687" cy="680733"/>
+          </a:xfrm>
+          <a:prstGeom prst="rect">
+            <a:avLst/>
+          </a:prstGeom>
+          <a:noFill/>
+          <a:ln>
+            <a:noFill/>
+          </a:ln>
+          <a:effectLst/>
+          <a:extLst>
+            <a:ext uri="{909E8E84-426E-40DD-AFC4-6F175D3DCCD1}">
+              <a14:hiddenFill xmlns:a14="http://schemas.microsoft.com/office/drawing/2010/main">
+                <a:blipFill dpi="0" rotWithShape="0">
+                  <a:blip/>
+                  <a:srcRect/>
+                  <a:stretch>
+                    <a:fillRect/>
+                  </a:stretch>
+                </a:blipFill>
+              </a14:hiddenFill>
+            </a:ext>
+            <a:ext uri="{91240B29-F687-4F45-9708-019B960494DF}">
+              <a14:hiddenLine xmlns:a14="http://schemas.microsoft.com/office/drawing/2010/main" w="9525" cap="flat">
+                <a:solidFill>
+                  <a:srgbClr val="808080"/>
+                </a:solidFill>
+                <a:round/>
+                <a:headEnd/>
+                <a:tailEnd/>
+              </a14:hiddenLine>
+            </a:ext>
+            <a:ext uri="{AF507438-7753-43E0-B8FC-AC1667EBCBE1}">
+              <a14:hiddenEffects xmlns:a14="http://schemas.microsoft.com/office/drawing/2010/main">
+                <a:effectLst>
+                  <a:outerShdw dist="35921" dir="2700000" algn="ctr" rotWithShape="0">
+                    <a:srgbClr val="808080"/>
+                  </a:outerShdw>
+                </a:effectLst>
+              </a14:hiddenEffects>
+            </a:ext>
+          </a:extLst>
         </p:spPr>
       </p:pic>
     </p:spTree>
@@ -4503,6 +4643,74 @@
           </a:extLst>
         </p:spPr>
       </p:pic>
+      <p:pic>
+        <p:nvPicPr>
+          <p:cNvPr id="7" name="Picture 3"/>
+          <p:cNvPicPr>
+            <a:picLocks noChangeAspect="1" noChangeArrowheads="1"/>
+          </p:cNvPicPr>
+          <p:nvPr/>
+        </p:nvPicPr>
+        <p:blipFill>
+          <a:blip r:embed="rId4">
+            <a:extLst>
+              <a:ext uri="{28A0092B-C50C-407E-A947-70E740481C1C}">
+                <a14:useLocalDpi xmlns:a14="http://schemas.microsoft.com/office/drawing/2010/main" val="0"/>
+              </a:ext>
+            </a:extLst>
+          </a:blip>
+          <a:srcRect/>
+          <a:stretch>
+            <a:fillRect/>
+          </a:stretch>
+        </p:blipFill>
+        <p:spPr bwMode="auto">
+          <a:xfrm>
+            <a:off x="9477806" y="185738"/>
+            <a:ext cx="2426687" cy="680733"/>
+          </a:xfrm>
+          <a:prstGeom prst="rect">
+            <a:avLst/>
+          </a:prstGeom>
+          <a:noFill/>
+          <a:ln>
+            <a:noFill/>
+          </a:ln>
+          <a:effectLst/>
+          <a:extLst>
+            <a:ext uri="{909E8E84-426E-40DD-AFC4-6F175D3DCCD1}">
+              <a14:hiddenFill xmlns:a14="http://schemas.microsoft.com/office/drawing/2010/main">
+                <a:blipFill dpi="0" rotWithShape="0">
+                  <a:blip/>
+                  <a:srcRect/>
+                  <a:stretch>
+                    <a:fillRect/>
+                  </a:stretch>
+                </a:blipFill>
+              </a14:hiddenFill>
+            </a:ext>
+            <a:ext uri="{91240B29-F687-4F45-9708-019B960494DF}">
+              <a14:hiddenLine xmlns:a14="http://schemas.microsoft.com/office/drawing/2010/main" w="9525" cap="flat">
+                <a:solidFill>
+                  <a:srgbClr val="808080"/>
+                </a:solidFill>
+                <a:round/>
+                <a:headEnd/>
+                <a:tailEnd/>
+              </a14:hiddenLine>
+            </a:ext>
+            <a:ext uri="{AF507438-7753-43E0-B8FC-AC1667EBCBE1}">
+              <a14:hiddenEffects xmlns:a14="http://schemas.microsoft.com/office/drawing/2010/main">
+                <a:effectLst>
+                  <a:outerShdw dist="35921" dir="2700000" algn="ctr" rotWithShape="0">
+                    <a:srgbClr val="808080"/>
+                  </a:outerShdw>
+                </a:effectLst>
+              </a14:hiddenEffects>
+            </a:ext>
+          </a:extLst>
+        </p:spPr>
+      </p:pic>
     </p:spTree>
     <p:extLst>
       <p:ext uri="{BB962C8B-B14F-4D97-AF65-F5344CB8AC3E}">
@@ -4540,87 +4748,278 @@
           <a:chExt cx="0" cy="0"/>
         </a:xfrm>
       </p:grpSpPr>
-      <p:sp>
-        <p:nvSpPr>
-          <p:cNvPr id="2" name="Заголовок 1"/>
-          <p:cNvSpPr>
-            <a:spLocks noGrp="1"/>
-          </p:cNvSpPr>
-          <p:nvPr>
-            <p:ph type="title"/>
-          </p:nvPr>
-        </p:nvSpPr>
-        <p:spPr/>
-        <p:txBody>
-          <a:bodyPr>
-            <a:normAutofit/>
-          </a:bodyPr>
-          <a:lstStyle/>
-          <a:p>
-            <a:r>
-              <a:rPr lang="ru-RU" sz="3600" dirty="0"/>
-              <a:t>Результаты экспериментов (суперкомпьютер ННГУ)</a:t>
-            </a:r>
-          </a:p>
-        </p:txBody>
-      </p:sp>
-      <p:sp>
-        <p:nvSpPr>
-          <p:cNvPr id="4" name="TextBox 3"/>
-          <p:cNvSpPr txBox="1"/>
+      <p:pic>
+        <p:nvPicPr>
+          <p:cNvPr id="2" name="Рисунок 1"/>
+          <p:cNvPicPr>
+            <a:picLocks noChangeAspect="1" noChangeArrowheads="1"/>
+          </p:cNvPicPr>
           <p:nvPr/>
-        </p:nvSpPr>
-        <p:spPr>
+        </p:nvPicPr>
+        <p:blipFill>
+          <a:blip r:embed="rId2">
+            <a:extLst>
+              <a:ext uri="{28A0092B-C50C-407E-A947-70E740481C1C}">
+                <a14:useLocalDpi xmlns:a14="http://schemas.microsoft.com/office/drawing/2010/main" val="0"/>
+              </a:ext>
+            </a:extLst>
+          </a:blip>
+          <a:srcRect/>
+          <a:stretch>
+            <a:fillRect/>
+          </a:stretch>
+        </p:blipFill>
+        <p:spPr bwMode="auto">
           <a:xfrm>
-            <a:off x="5588000" y="6458857"/>
-            <a:ext cx="5878286" cy="369332"/>
+            <a:off x="66640" y="1700227"/>
+            <a:ext cx="9332734" cy="5231915"/>
           </a:xfrm>
           <a:prstGeom prst="rect">
             <a:avLst/>
           </a:prstGeom>
           <a:noFill/>
+          <a:ln>
+            <a:noFill/>
+          </a:ln>
+          <a:extLst>
+            <a:ext uri="{909E8E84-426E-40DD-AFC4-6F175D3DCCD1}">
+              <a14:hiddenFill xmlns:a14="http://schemas.microsoft.com/office/drawing/2010/main">
+                <a:solidFill>
+                  <a:srgbClr val="FFFFFF"/>
+                </a:solidFill>
+              </a14:hiddenFill>
+            </a:ext>
+            <a:ext uri="{91240B29-F687-4F45-9708-019B960494DF}">
+              <a14:hiddenLine xmlns:a14="http://schemas.microsoft.com/office/drawing/2010/main" w="9525">
+                <a:solidFill>
+                  <a:srgbClr val="000000"/>
+                </a:solidFill>
+                <a:miter lim="800000"/>
+                <a:headEnd/>
+                <a:tailEnd/>
+              </a14:hiddenLine>
+            </a:ext>
+          </a:extLst>
         </p:spPr>
-        <p:txBody>
-          <a:bodyPr wrap="square" rtlCol="0">
-            <a:spAutoFit/>
-          </a:bodyPr>
+      </p:pic>
+      <mc:AlternateContent xmlns:mc="http://schemas.openxmlformats.org/markup-compatibility/2006" xmlns:a14="http://schemas.microsoft.com/office/drawing/2010/main">
+        <mc:Choice Requires="a14">
+          <p:sp>
+            <p:nvSpPr>
+              <p:cNvPr id="3" name="Объект 2"/>
+              <p:cNvSpPr>
+                <a:spLocks noGrp="1"/>
+              </p:cNvSpPr>
+              <p:nvPr>
+                <p:ph idx="1"/>
+              </p:nvPr>
+            </p:nvSpPr>
+            <p:spPr>
+              <a:xfrm>
+                <a:off x="376631" y="652507"/>
+                <a:ext cx="11438737" cy="1311115"/>
+              </a:xfrm>
+            </p:spPr>
+            <p:txBody>
+              <a:bodyPr>
+                <a:normAutofit/>
+              </a:bodyPr>
+              <a:lstStyle/>
+              <a:p>
+                <a:pPr marL="0" indent="0">
+                  <a:buNone/>
+                </a:pPr>
+                <a:r>
+                  <a:rPr lang="ru-RU" dirty="0" smtClean="0"/>
+                  <a:t>На </a:t>
+                </a:r>
+                <a:r>
+                  <a:rPr lang="ru-RU" dirty="0"/>
+                  <a:t>отрезке </a:t>
+                </a:r>
+                <a:r>
+                  <a:rPr lang="en-US" dirty="0"/>
+                  <a:t>[0; 2</a:t>
+                </a:r>
+                <a:r>
+                  <a:rPr lang="el-GR" dirty="0"/>
+                  <a:t> </a:t>
+                </a:r>
+                <a14:m>
+                  <m:oMath xmlns:m="http://schemas.openxmlformats.org/officeDocument/2006/math">
+                    <m:r>
+                      <m:rPr>
+                        <m:nor/>
+                      </m:rPr>
+                      <a:rPr lang="el-GR" dirty="0"/>
+                      <m:t>π</m:t>
+                    </m:r>
+                  </m:oMath>
+                </a14:m>
+                <a:r>
+                  <a:rPr lang="en-US" dirty="0"/>
+                  <a:t>]</a:t>
+                </a:r>
+                <a:r>
+                  <a:rPr lang="ru-RU" dirty="0"/>
+                  <a:t> зададим </a:t>
+                </a:r>
+                <a:r>
+                  <a:rPr lang="ru-RU" dirty="0" smtClean="0"/>
+                  <a:t>функцию </a:t>
+                </a:r>
+                <a:r>
+                  <a:rPr lang="en-US" dirty="0" smtClean="0"/>
+                  <a:t>f</a:t>
+                </a:r>
+                <a:r>
+                  <a:rPr lang="ru-RU" dirty="0" smtClean="0"/>
+                  <a:t> </a:t>
+                </a:r>
+                <a:r>
+                  <a:rPr lang="ru-RU" dirty="0"/>
+                  <a:t>= </a:t>
+                </a:r>
+                <a:r>
+                  <a:rPr lang="en-US" dirty="0"/>
+                  <a:t>sin</a:t>
+                </a:r>
+                <a:r>
+                  <a:rPr lang="ru-RU" dirty="0"/>
+                  <a:t>(</a:t>
+                </a:r>
+                <a:r>
+                  <a:rPr lang="en-US" dirty="0"/>
+                  <a:t>x</a:t>
+                </a:r>
+                <a:r>
+                  <a:rPr lang="ru-RU" dirty="0"/>
+                  <a:t>) + </a:t>
+                </a:r>
+                <a:r>
+                  <a:rPr lang="en-US" dirty="0"/>
+                  <a:t>interference</a:t>
+                </a:r>
+                <a:r>
+                  <a:rPr lang="ru-RU" dirty="0"/>
+                  <a:t>(</a:t>
+                </a:r>
+                <a:r>
+                  <a:rPr lang="en-US" dirty="0"/>
+                  <a:t>x</a:t>
+                </a:r>
+                <a:r>
+                  <a:rPr lang="ru-RU" dirty="0"/>
+                  <a:t>)</a:t>
+                </a:r>
+              </a:p>
+              <a:p>
+                <a:pPr marL="0" indent="0">
+                  <a:buNone/>
+                </a:pPr>
+                <a:r>
+                  <a:rPr lang="en-US" dirty="0" smtClean="0"/>
+                  <a:t>interference(x</a:t>
+                </a:r>
+                <a:r>
+                  <a:rPr lang="en-US" dirty="0"/>
+                  <a:t>) = 0.1*sin(50*x</a:t>
+                </a:r>
+                <a:r>
+                  <a:rPr lang="en-US" dirty="0" smtClean="0"/>
+                  <a:t>)</a:t>
+                </a:r>
+                <a:r>
+                  <a:rPr lang="ru-RU" dirty="0" smtClean="0"/>
+                  <a:t> – функция которую нужно отфильтровать</a:t>
+                </a:r>
+              </a:p>
+              <a:p>
+                <a:pPr marL="0" indent="0" algn="just">
+                  <a:buNone/>
+                </a:pPr>
+                <a:endParaRPr lang="ru-RU" dirty="0" smtClean="0"/>
+              </a:p>
+              <a:p>
+                <a:pPr marL="0" indent="0">
+                  <a:buNone/>
+                </a:pPr>
+                <a:endParaRPr lang="ru-RU" dirty="0"/>
+              </a:p>
+              <a:p>
+                <a:pPr marL="0" indent="0">
+                  <a:buNone/>
+                </a:pPr>
+                <a:endParaRPr lang="ru-RU" dirty="0"/>
+              </a:p>
+            </p:txBody>
+          </p:sp>
+        </mc:Choice>
+        <mc:Fallback xmlns="">
+          <p:sp>
+            <p:nvSpPr>
+              <p:cNvPr id="3" name="Объект 2"/>
+              <p:cNvSpPr>
+                <a:spLocks noGrp="1" noRot="1" noChangeAspect="1" noMove="1" noResize="1" noEditPoints="1" noAdjustHandles="1" noChangeArrowheads="1" noChangeShapeType="1" noTextEdit="1"/>
+              </p:cNvSpPr>
+              <p:nvPr>
+                <p:ph idx="1"/>
+              </p:nvPr>
+            </p:nvSpPr>
+            <p:spPr>
+              <a:xfrm>
+                <a:off x="376631" y="652507"/>
+                <a:ext cx="11438737" cy="1311115"/>
+              </a:xfrm>
+              <a:blipFill rotWithShape="0">
+                <a:blip r:embed="rId3"/>
+                <a:stretch>
+                  <a:fillRect l="-1119" t="-7442"/>
+                </a:stretch>
+              </a:blipFill>
+            </p:spPr>
+            <p:txBody>
+              <a:bodyPr/>
+              <a:lstStyle/>
+              <a:p>
+                <a:r>
+                  <a:rPr lang="ru-RU">
+                    <a:noFill/>
+                  </a:rPr>
+                  <a:t> </a:t>
+                </a:r>
+              </a:p>
+            </p:txBody>
+          </p:sp>
+        </mc:Fallback>
+      </mc:AlternateContent>
+      <p:sp>
+        <p:nvSpPr>
+          <p:cNvPr id="4" name="Заголовок 3"/>
+          <p:cNvSpPr>
+            <a:spLocks noGrp="1"/>
+          </p:cNvSpPr>
+          <p:nvPr>
+            <p:ph type="title"/>
+          </p:nvPr>
+        </p:nvSpPr>
+        <p:spPr>
+          <a:xfrm>
+            <a:off x="838200" y="-264044"/>
+            <a:ext cx="10515600" cy="1325563"/>
+          </a:xfrm>
+        </p:spPr>
+        <p:txBody>
+          <a:bodyPr/>
           <a:lstStyle/>
           <a:p>
             <a:r>
               <a:rPr lang="ru-RU" dirty="0"/>
-              <a:t>2 </a:t>
-            </a:r>
-            <a:r>
-              <a:rPr lang="en-US" dirty="0"/>
-              <a:t>x Intel Xeon E5-2660 </a:t>
-            </a:r>
-            <a:r>
-              <a:rPr lang="en-US" dirty="0">
-                <a:solidFill>
-                  <a:srgbClr val="FF0000"/>
-                </a:solidFill>
-              </a:rPr>
-              <a:t>2.2GHz</a:t>
-            </a:r>
-            <a:r>
-              <a:rPr lang="en-US" dirty="0"/>
-              <a:t>,</a:t>
-            </a:r>
-            <a:r>
-              <a:rPr lang="ru-RU" dirty="0"/>
-              <a:t> 16</a:t>
-            </a:r>
-            <a:r>
-              <a:rPr lang="en-US" dirty="0"/>
-              <a:t> </a:t>
-            </a:r>
-            <a:r>
-              <a:rPr lang="ru-RU" dirty="0"/>
-              <a:t>ядер, 64 </a:t>
-            </a:r>
-            <a:r>
-              <a:rPr lang="en-US" dirty="0"/>
-              <a:t>GB RAM</a:t>
+              <a:t>Практическое </a:t>
+            </a:r>
+            <a:r>
+              <a:rPr lang="ru-RU" dirty="0" smtClean="0"/>
+              <a:t>применение</a:t>
             </a:r>
             <a:endParaRPr lang="ru-RU" dirty="0"/>
           </a:p>
@@ -4649,448 +5048,78 @@
           </a:p>
         </p:txBody>
       </p:sp>
-      <p:graphicFrame>
-        <p:nvGraphicFramePr>
-          <p:cNvPr id="3" name="Объект 2"/>
-          <p:cNvGraphicFramePr>
-            <a:graphicFrameLocks noGrp="1"/>
-          </p:cNvGraphicFramePr>
-          <p:nvPr>
-            <p:ph idx="1"/>
-            <p:extLst>
-              <p:ext uri="{D42A27DB-BD31-4B8C-83A1-F6EECF244321}">
-                <p14:modId xmlns:p14="http://schemas.microsoft.com/office/powerpoint/2010/main" val="794713793"/>
-              </p:ext>
-            </p:extLst>
-          </p:nvPr>
-        </p:nvGraphicFramePr>
-        <p:xfrm>
-          <a:off x="354226" y="1825625"/>
-          <a:ext cx="11359980" cy="2496031"/>
-        </p:xfrm>
-        <a:graphic>
-          <a:graphicData uri="http://schemas.openxmlformats.org/drawingml/2006/table">
-            <a:tbl>
-              <a:tblPr firstRow="1" bandRow="1">
-                <a:tableStyleId>{5C22544A-7EE6-4342-B048-85BDC9FD1C3A}</a:tableStyleId>
-              </a:tblPr>
-              <a:tblGrid>
-                <a:gridCol w="2271996"/>
-                <a:gridCol w="2003443"/>
-                <a:gridCol w="2011767"/>
-                <a:gridCol w="2233061"/>
-                <a:gridCol w="2839713"/>
-              </a:tblGrid>
-              <a:tr h="596299">
-                <a:tc>
-                  <a:txBody>
-                    <a:bodyPr/>
-                    <a:lstStyle/>
-                    <a:p>
-                      <a:r>
-                        <a:rPr lang="ru-RU" sz="2400" dirty="0" smtClean="0"/>
-                        <a:t>Размер доски</a:t>
-                      </a:r>
-                      <a:endParaRPr lang="ru-RU" sz="2400" dirty="0"/>
-                    </a:p>
-                  </a:txBody>
-                  <a:tcPr/>
-                </a:tc>
-                <a:tc>
-                  <a:txBody>
-                    <a:bodyPr/>
-                    <a:lstStyle/>
-                    <a:p>
-                      <a:r>
-                        <a:rPr lang="en-US" sz="2400" dirty="0" smtClean="0"/>
-                        <a:t>Search</a:t>
-                      </a:r>
-                      <a:r>
-                        <a:rPr lang="ru-RU" sz="2400" dirty="0" smtClean="0"/>
-                        <a:t>, с</a:t>
-                      </a:r>
-                      <a:endParaRPr lang="ru-RU" sz="2400" dirty="0"/>
-                    </a:p>
-                  </a:txBody>
-                  <a:tcPr/>
-                </a:tc>
-                <a:tc>
-                  <a:txBody>
-                    <a:bodyPr/>
-                    <a:lstStyle/>
-                    <a:p>
-                      <a:r>
-                        <a:rPr lang="en-US" sz="2400" dirty="0" smtClean="0"/>
-                        <a:t>HalfSearch</a:t>
-                      </a:r>
-                      <a:r>
-                        <a:rPr lang="ru-RU" sz="2400" dirty="0" smtClean="0"/>
-                        <a:t>, с</a:t>
-                      </a:r>
-                      <a:endParaRPr lang="ru-RU" sz="2400" dirty="0"/>
-                    </a:p>
-                  </a:txBody>
-                  <a:tcPr/>
-                </a:tc>
-                <a:tc>
-                  <a:txBody>
-                    <a:bodyPr/>
-                    <a:lstStyle/>
-                    <a:p>
-                      <a:r>
-                        <a:rPr lang="en-US" sz="2400" dirty="0" smtClean="0"/>
-                        <a:t>BitHalfSearch</a:t>
-                      </a:r>
-                      <a:r>
-                        <a:rPr lang="ru-RU" sz="2400" dirty="0" smtClean="0"/>
-                        <a:t>, с</a:t>
-                      </a:r>
-                      <a:endParaRPr lang="ru-RU" sz="2400" dirty="0"/>
-                    </a:p>
-                  </a:txBody>
-                  <a:tcPr/>
-                </a:tc>
-                <a:tc>
-                  <a:txBody>
-                    <a:bodyPr/>
-                    <a:lstStyle/>
-                    <a:p>
-                      <a:r>
-                        <a:rPr lang="en-US" sz="2400" dirty="0" smtClean="0"/>
-                        <a:t>CycleBitHalfSearch</a:t>
-                      </a:r>
-                      <a:r>
-                        <a:rPr lang="ru-RU" sz="2400" dirty="0" smtClean="0"/>
-                        <a:t>, с</a:t>
-                      </a:r>
-                      <a:endParaRPr lang="ru-RU" sz="2400" dirty="0"/>
-                    </a:p>
-                  </a:txBody>
-                  <a:tcPr/>
-                </a:tc>
-              </a:tr>
-              <a:tr h="474933">
-                <a:tc>
-                  <a:txBody>
-                    <a:bodyPr/>
-                    <a:lstStyle/>
-                    <a:p>
-                      <a:pPr algn="ctr"/>
-                      <a:r>
-                        <a:rPr lang="en-US" sz="2400" dirty="0" smtClean="0"/>
-                        <a:t>15</a:t>
-                      </a:r>
-                      <a:endParaRPr lang="ru-RU" sz="2400" dirty="0"/>
-                    </a:p>
-                  </a:txBody>
-                  <a:tcPr/>
-                </a:tc>
-                <a:tc>
-                  <a:txBody>
-                    <a:bodyPr/>
-                    <a:lstStyle/>
-                    <a:p>
-                      <a:pPr algn="ctr"/>
-                      <a:r>
-                        <a:rPr lang="ru-RU" sz="2400" dirty="0" smtClean="0"/>
-                        <a:t>12,5</a:t>
-                      </a:r>
-                      <a:endParaRPr lang="ru-RU" sz="2400" dirty="0"/>
-                    </a:p>
-                  </a:txBody>
-                  <a:tcPr/>
-                </a:tc>
-                <a:tc>
-                  <a:txBody>
-                    <a:bodyPr/>
-                    <a:lstStyle/>
-                    <a:p>
-                      <a:pPr algn="ctr"/>
-                      <a:r>
-                        <a:rPr lang="ru-RU" sz="2400" dirty="0" smtClean="0"/>
-                        <a:t>6,3</a:t>
-                      </a:r>
-                      <a:endParaRPr lang="ru-RU" sz="2400" dirty="0"/>
-                    </a:p>
-                  </a:txBody>
-                  <a:tcPr/>
-                </a:tc>
-                <a:tc>
-                  <a:txBody>
-                    <a:bodyPr/>
-                    <a:lstStyle/>
-                    <a:p>
-                      <a:pPr marL="0" marR="0" indent="0" algn="ctr" defTabSz="914400" rtl="0" eaLnBrk="1" fontAlgn="auto" latinLnBrk="0" hangingPunct="1">
-                        <a:lnSpc>
-                          <a:spcPct val="100000"/>
-                        </a:lnSpc>
-                        <a:spcBef>
-                          <a:spcPts val="0"/>
-                        </a:spcBef>
-                        <a:spcAft>
-                          <a:spcPts val="0"/>
-                        </a:spcAft>
-                        <a:buClrTx/>
-                        <a:buSzTx/>
-                        <a:buFontTx/>
-                        <a:buNone/>
-                        <a:tabLst/>
-                        <a:defRPr/>
-                      </a:pPr>
-                      <a:r>
-                        <a:rPr lang="ru-RU" sz="2400" dirty="0" smtClean="0"/>
-                        <a:t>1,2</a:t>
-                      </a:r>
-                    </a:p>
-                  </a:txBody>
-                  <a:tcPr/>
-                </a:tc>
-                <a:tc>
-                  <a:txBody>
-                    <a:bodyPr/>
-                    <a:lstStyle/>
-                    <a:p>
-                      <a:pPr algn="ctr"/>
-                      <a:r>
-                        <a:rPr lang="ru-RU" sz="2400" dirty="0" smtClean="0"/>
-                        <a:t>1,0</a:t>
-                      </a:r>
-                      <a:endParaRPr lang="ru-RU" sz="2400" dirty="0"/>
-                    </a:p>
-                  </a:txBody>
-                  <a:tcPr/>
-                </a:tc>
-              </a:tr>
-              <a:tr h="474933">
-                <a:tc>
-                  <a:txBody>
-                    <a:bodyPr/>
-                    <a:lstStyle/>
-                    <a:p>
-                      <a:pPr algn="ctr"/>
-                      <a:r>
-                        <a:rPr lang="en-US" sz="2400" dirty="0" smtClean="0"/>
-                        <a:t>16</a:t>
-                      </a:r>
-                      <a:endParaRPr lang="ru-RU" sz="2400" dirty="0"/>
-                    </a:p>
-                  </a:txBody>
-                  <a:tcPr/>
-                </a:tc>
-                <a:tc>
-                  <a:txBody>
-                    <a:bodyPr/>
-                    <a:lstStyle/>
-                    <a:p>
-                      <a:pPr algn="ctr"/>
-                      <a:r>
-                        <a:rPr lang="ru-RU" sz="2400" dirty="0" smtClean="0"/>
-                        <a:t>100,2</a:t>
-                      </a:r>
-                      <a:endParaRPr lang="ru-RU" sz="2400" dirty="0"/>
-                    </a:p>
-                  </a:txBody>
-                  <a:tcPr/>
-                </a:tc>
-                <a:tc>
-                  <a:txBody>
-                    <a:bodyPr/>
-                    <a:lstStyle/>
-                    <a:p>
-                      <a:pPr algn="ctr"/>
-                      <a:r>
-                        <a:rPr lang="ru-RU" sz="2400" dirty="0" smtClean="0"/>
-                        <a:t>50,4</a:t>
-                      </a:r>
-                      <a:endParaRPr lang="ru-RU" sz="2400" b="1" dirty="0"/>
-                    </a:p>
-                  </a:txBody>
-                  <a:tcPr/>
-                </a:tc>
-                <a:tc>
-                  <a:txBody>
-                    <a:bodyPr/>
-                    <a:lstStyle/>
-                    <a:p>
-                      <a:pPr algn="ctr"/>
-                      <a:r>
-                        <a:rPr lang="ru-RU" sz="2400" dirty="0" smtClean="0"/>
-                        <a:t>7,7</a:t>
-                      </a:r>
-                      <a:endParaRPr lang="ru-RU" sz="2400" dirty="0"/>
-                    </a:p>
-                  </a:txBody>
-                  <a:tcPr/>
-                </a:tc>
-                <a:tc>
-                  <a:txBody>
-                    <a:bodyPr/>
-                    <a:lstStyle/>
-                    <a:p>
-                      <a:pPr algn="ctr"/>
-                      <a:r>
-                        <a:rPr lang="ru-RU" sz="2400" dirty="0" smtClean="0"/>
-                        <a:t>6,9</a:t>
-                      </a:r>
-                      <a:endParaRPr lang="ru-RU" sz="2400" dirty="0"/>
-                    </a:p>
-                  </a:txBody>
-                  <a:tcPr/>
-                </a:tc>
-              </a:tr>
-              <a:tr h="474933">
-                <a:tc>
-                  <a:txBody>
-                    <a:bodyPr/>
-                    <a:lstStyle/>
-                    <a:p>
-                      <a:pPr algn="ctr"/>
-                      <a:r>
-                        <a:rPr lang="en-US" sz="2400" dirty="0" smtClean="0"/>
-                        <a:t>17</a:t>
-                      </a:r>
-                      <a:endParaRPr lang="ru-RU" sz="2400" dirty="0"/>
-                    </a:p>
-                  </a:txBody>
-                  <a:tcPr/>
-                </a:tc>
-                <a:tc>
-                  <a:txBody>
-                    <a:bodyPr/>
-                    <a:lstStyle/>
-                    <a:p>
-                      <a:pPr algn="ctr"/>
-                      <a:endParaRPr lang="ru-RU" sz="2400" dirty="0"/>
-                    </a:p>
-                  </a:txBody>
-                  <a:tcPr/>
-                </a:tc>
-                <a:tc>
-                  <a:txBody>
-                    <a:bodyPr/>
-                    <a:lstStyle/>
-                    <a:p>
-                      <a:pPr algn="ctr"/>
-                      <a:endParaRPr lang="ru-RU" sz="2400" dirty="0"/>
-                    </a:p>
-                  </a:txBody>
-                  <a:tcPr/>
-                </a:tc>
-                <a:tc>
-                  <a:txBody>
-                    <a:bodyPr/>
-                    <a:lstStyle/>
-                    <a:p>
-                      <a:pPr marL="0" marR="0" indent="0" algn="ctr" defTabSz="914400" rtl="0" eaLnBrk="1" fontAlgn="auto" latinLnBrk="0" hangingPunct="1">
-                        <a:lnSpc>
-                          <a:spcPct val="100000"/>
-                        </a:lnSpc>
-                        <a:spcBef>
-                          <a:spcPts val="0"/>
-                        </a:spcBef>
-                        <a:spcAft>
-                          <a:spcPts val="0"/>
-                        </a:spcAft>
-                        <a:buClrTx/>
-                        <a:buSzTx/>
-                        <a:buFontTx/>
-                        <a:buNone/>
-                        <a:tabLst/>
-                        <a:defRPr/>
-                      </a:pPr>
-                      <a:r>
-                        <a:rPr lang="ru-RU" sz="2400" dirty="0" smtClean="0"/>
-                        <a:t>27,2</a:t>
-                      </a:r>
-                    </a:p>
-                  </a:txBody>
-                  <a:tcPr/>
-                </a:tc>
-                <a:tc>
-                  <a:txBody>
-                    <a:bodyPr/>
-                    <a:lstStyle/>
-                    <a:p>
-                      <a:pPr algn="ctr"/>
-                      <a:endParaRPr lang="ru-RU" sz="2400" dirty="0"/>
-                    </a:p>
-                  </a:txBody>
-                  <a:tcPr/>
-                </a:tc>
-              </a:tr>
-              <a:tr h="474933">
-                <a:tc>
-                  <a:txBody>
-                    <a:bodyPr/>
-                    <a:lstStyle/>
-                    <a:p>
-                      <a:pPr algn="ctr"/>
-                      <a:r>
-                        <a:rPr lang="en-US" sz="2400" dirty="0" smtClean="0"/>
-                        <a:t>18</a:t>
-                      </a:r>
-                      <a:endParaRPr lang="ru-RU" sz="2400" dirty="0"/>
-                    </a:p>
-                  </a:txBody>
-                  <a:tcPr/>
-                </a:tc>
-                <a:tc>
-                  <a:txBody>
-                    <a:bodyPr/>
-                    <a:lstStyle/>
-                    <a:p>
-                      <a:pPr algn="ctr"/>
-                      <a:endParaRPr lang="ru-RU" sz="2400" dirty="0"/>
-                    </a:p>
-                  </a:txBody>
-                  <a:tcPr/>
-                </a:tc>
-                <a:tc>
-                  <a:txBody>
-                    <a:bodyPr/>
-                    <a:lstStyle/>
-                    <a:p>
-                      <a:pPr algn="ctr"/>
-                      <a:endParaRPr lang="ru-RU" sz="2400" dirty="0"/>
-                    </a:p>
-                  </a:txBody>
-                  <a:tcPr/>
-                </a:tc>
-                <a:tc>
-                  <a:txBody>
-                    <a:bodyPr/>
-                    <a:lstStyle/>
-                    <a:p>
-                      <a:pPr algn="ctr"/>
-                      <a:r>
-                        <a:rPr lang="ru-RU" sz="2400" smtClean="0"/>
-                        <a:t>397,6</a:t>
-                      </a:r>
-                      <a:endParaRPr lang="ru-RU" sz="2400" dirty="0"/>
-                    </a:p>
-                  </a:txBody>
-                  <a:tcPr/>
-                </a:tc>
-                <a:tc>
-                  <a:txBody>
-                    <a:bodyPr/>
-                    <a:lstStyle/>
-                    <a:p>
-                      <a:pPr algn="ctr"/>
-                      <a:endParaRPr lang="ru-RU" sz="2400" dirty="0"/>
-                    </a:p>
-                  </a:txBody>
-                  <a:tcPr/>
-                </a:tc>
-              </a:tr>
-            </a:tbl>
-          </a:graphicData>
-        </a:graphic>
-      </p:graphicFrame>
+      <p:pic>
+        <p:nvPicPr>
+          <p:cNvPr id="6" name="Picture 3"/>
+          <p:cNvPicPr>
+            <a:picLocks noChangeAspect="1" noChangeArrowheads="1"/>
+          </p:cNvPicPr>
+          <p:nvPr/>
+        </p:nvPicPr>
+        <p:blipFill>
+          <a:blip r:embed="rId4">
+            <a:extLst>
+              <a:ext uri="{28A0092B-C50C-407E-A947-70E740481C1C}">
+                <a14:useLocalDpi xmlns:a14="http://schemas.microsoft.com/office/drawing/2010/main" val="0"/>
+              </a:ext>
+            </a:extLst>
+          </a:blip>
+          <a:srcRect/>
+          <a:stretch>
+            <a:fillRect/>
+          </a:stretch>
+        </p:blipFill>
+        <p:spPr bwMode="auto">
+          <a:xfrm>
+            <a:off x="9698672" y="58370"/>
+            <a:ext cx="2426687" cy="680733"/>
+          </a:xfrm>
+          <a:prstGeom prst="rect">
+            <a:avLst/>
+          </a:prstGeom>
+          <a:noFill/>
+          <a:ln>
+            <a:noFill/>
+          </a:ln>
+          <a:effectLst/>
+          <a:extLst>
+            <a:ext uri="{909E8E84-426E-40DD-AFC4-6F175D3DCCD1}">
+              <a14:hiddenFill xmlns:a14="http://schemas.microsoft.com/office/drawing/2010/main">
+                <a:blipFill dpi="0" rotWithShape="0">
+                  <a:blip/>
+                  <a:srcRect/>
+                  <a:stretch>
+                    <a:fillRect/>
+                  </a:stretch>
+                </a:blipFill>
+              </a14:hiddenFill>
+            </a:ext>
+            <a:ext uri="{91240B29-F687-4F45-9708-019B960494DF}">
+              <a14:hiddenLine xmlns:a14="http://schemas.microsoft.com/office/drawing/2010/main" w="9525" cap="flat">
+                <a:solidFill>
+                  <a:srgbClr val="808080"/>
+                </a:solidFill>
+                <a:round/>
+                <a:headEnd/>
+                <a:tailEnd/>
+              </a14:hiddenLine>
+            </a:ext>
+            <a:ext uri="{AF507438-7753-43E0-B8FC-AC1667EBCBE1}">
+              <a14:hiddenEffects xmlns:a14="http://schemas.microsoft.com/office/drawing/2010/main">
+                <a:effectLst>
+                  <a:outerShdw dist="35921" dir="2700000" algn="ctr" rotWithShape="0">
+                    <a:srgbClr val="808080"/>
+                  </a:outerShdw>
+                </a:effectLst>
+              </a14:hiddenEffects>
+            </a:ext>
+          </a:extLst>
+        </p:spPr>
+      </p:pic>
     </p:spTree>
     <p:extLst>
       <p:ext uri="{BB962C8B-B14F-4D97-AF65-F5344CB8AC3E}">
-        <p14:creationId xmlns:p14="http://schemas.microsoft.com/office/powerpoint/2010/main" val="4190288513"/>
+        <p14:creationId xmlns:p14="http://schemas.microsoft.com/office/powerpoint/2010/main" val="2243483342"/>
       </p:ext>
     </p:extLst>
   </p:cSld>
@@ -5126,98 +5155,123 @@
       </p:grpSpPr>
       <p:sp>
         <p:nvSpPr>
-          <p:cNvPr id="2" name="Заголовок 1"/>
+          <p:cNvPr id="3" name="Объект 2"/>
           <p:cNvSpPr>
             <a:spLocks noGrp="1"/>
           </p:cNvSpPr>
           <p:nvPr>
+            <p:ph idx="1"/>
+          </p:nvPr>
+        </p:nvSpPr>
+        <p:spPr>
+          <a:xfrm>
+            <a:off x="376631" y="751363"/>
+            <a:ext cx="11438737" cy="1311115"/>
+          </a:xfrm>
+        </p:spPr>
+        <p:txBody>
+          <a:bodyPr>
+            <a:normAutofit/>
+          </a:bodyPr>
+          <a:lstStyle/>
+          <a:p>
+            <a:pPr marL="0" indent="0">
+              <a:buNone/>
+            </a:pPr>
+            <a:r>
+              <a:rPr lang="ru-RU" dirty="0"/>
+              <a:t>При разложе­нии в ряд Фурье в спектре будут представлены лишь те гармоники, которые содержат не более M периодов в интервале задания исход­ной функции</a:t>
+            </a:r>
+            <a:r>
+              <a:rPr lang="ru-RU" dirty="0" smtClean="0"/>
+              <a:t>. Если разложить</a:t>
+            </a:r>
+            <a:r>
+              <a:rPr lang="en-US" dirty="0" smtClean="0"/>
+              <a:t> </a:t>
+            </a:r>
+            <a:r>
+              <a:rPr lang="en-US" dirty="0"/>
+              <a:t>f</a:t>
+            </a:r>
+            <a:r>
+              <a:rPr lang="ru-RU" dirty="0" smtClean="0"/>
+              <a:t> в ряд Фурье с </a:t>
+            </a:r>
+            <a:r>
+              <a:rPr lang="en-US" dirty="0" smtClean="0"/>
+              <a:t>M = </a:t>
+            </a:r>
+            <a:r>
+              <a:rPr lang="ru-RU" dirty="0" smtClean="0"/>
+              <a:t>49</a:t>
+            </a:r>
+            <a:r>
+              <a:rPr lang="en-US" dirty="0" smtClean="0"/>
+              <a:t> </a:t>
+            </a:r>
+            <a:r>
+              <a:rPr lang="ru-RU" dirty="0" smtClean="0"/>
+              <a:t>и построить</a:t>
+            </a:r>
+            <a:r>
+              <a:rPr lang="en-US" dirty="0" smtClean="0"/>
+              <a:t>:</a:t>
+            </a:r>
+            <a:endParaRPr lang="ru-RU" dirty="0"/>
+          </a:p>
+          <a:p>
+            <a:endParaRPr lang="ru-RU" dirty="0" smtClean="0"/>
+          </a:p>
+          <a:p>
+            <a:pPr marL="0" indent="0">
+              <a:buNone/>
+            </a:pPr>
+            <a:endParaRPr lang="ru-RU" dirty="0"/>
+          </a:p>
+          <a:p>
+            <a:pPr marL="0" indent="0">
+              <a:buNone/>
+            </a:pPr>
+            <a:endParaRPr lang="ru-RU" dirty="0"/>
+          </a:p>
+        </p:txBody>
+      </p:sp>
+      <p:sp>
+        <p:nvSpPr>
+          <p:cNvPr id="4" name="Заголовок 3"/>
+          <p:cNvSpPr>
+            <a:spLocks noGrp="1"/>
+          </p:cNvSpPr>
+          <p:nvPr>
             <p:ph type="title"/>
           </p:nvPr>
         </p:nvSpPr>
-        <p:spPr/>
+        <p:spPr>
+          <a:xfrm>
+            <a:off x="838200" y="-264044"/>
+            <a:ext cx="10515600" cy="1325563"/>
+          </a:xfrm>
+        </p:spPr>
         <p:txBody>
           <a:bodyPr/>
           <a:lstStyle/>
           <a:p>
             <a:r>
               <a:rPr lang="ru-RU" dirty="0"/>
-              <a:t>Заключение</a:t>
-            </a:r>
-          </a:p>
-        </p:txBody>
-      </p:sp>
-      <p:sp>
-        <p:nvSpPr>
-          <p:cNvPr id="3" name="Объект 2"/>
-          <p:cNvSpPr>
-            <a:spLocks noGrp="1"/>
-          </p:cNvSpPr>
-          <p:nvPr>
-            <p:ph idx="1"/>
-          </p:nvPr>
-        </p:nvSpPr>
-        <p:spPr/>
-        <p:txBody>
-          <a:bodyPr/>
-          <a:lstStyle/>
-          <a:p>
-            <a:r>
-              <a:rPr lang="ru-RU" dirty="0"/>
-              <a:t>Реализованы последовательные и параллельные алгоритмы расстановки </a:t>
-            </a:r>
-            <a:r>
-              <a:rPr lang="en-US" dirty="0"/>
-              <a:t>N</a:t>
-            </a:r>
-            <a:r>
-              <a:rPr lang="ru-RU" dirty="0"/>
-              <a:t> ферзей</a:t>
-            </a:r>
-          </a:p>
-          <a:p>
-            <a:r>
-              <a:rPr lang="ru-RU" dirty="0"/>
-              <a:t>Используется перебор с возвратом</a:t>
-            </a:r>
-          </a:p>
-          <a:p>
-            <a:r>
-              <a:rPr lang="ru-RU" dirty="0"/>
-              <a:t>Параллельная версия основана на средствах </a:t>
-            </a:r>
-            <a:r>
-              <a:rPr lang="en-US" dirty="0" err="1"/>
-              <a:t>OpenMP</a:t>
+              <a:t>Практическое </a:t>
+            </a:r>
+            <a:r>
+              <a:rPr lang="ru-RU" dirty="0" smtClean="0"/>
+              <a:t>применение</a:t>
             </a:r>
             <a:endParaRPr lang="ru-RU" dirty="0"/>
           </a:p>
-          <a:p>
-            <a:r>
-              <a:rPr lang="ru-RU" dirty="0"/>
-              <a:t>Достигнуто ускорение вычислений в </a:t>
-            </a:r>
-            <a:r>
-              <a:rPr lang="en-US" dirty="0">
-                <a:solidFill>
-                  <a:srgbClr val="FF0000"/>
-                </a:solidFill>
-              </a:rPr>
-              <a:t>…</a:t>
-            </a:r>
-            <a:r>
-              <a:rPr lang="en-US" dirty="0"/>
-              <a:t> </a:t>
-            </a:r>
-            <a:r>
-              <a:rPr lang="ru-RU" dirty="0"/>
-              <a:t>раз при использовании 16 ядер</a:t>
-            </a:r>
-          </a:p>
-        </p:txBody>
-      </p:sp>
-      <p:sp>
-        <p:nvSpPr>
-          <p:cNvPr id="4" name="Номер слайда 3"/>
+        </p:txBody>
+      </p:sp>
+      <p:sp>
+        <p:nvSpPr>
+          <p:cNvPr id="5" name="Номер слайда 4"/>
           <p:cNvSpPr>
             <a:spLocks noGrp="1"/>
           </p:cNvSpPr>
@@ -5238,10 +5292,132 @@
           </a:p>
         </p:txBody>
       </p:sp>
+      <p:pic>
+        <p:nvPicPr>
+          <p:cNvPr id="2050" name="Рисунок 1"/>
+          <p:cNvPicPr>
+            <a:picLocks noChangeAspect="1" noChangeArrowheads="1"/>
+          </p:cNvPicPr>
+          <p:nvPr/>
+        </p:nvPicPr>
+        <p:blipFill>
+          <a:blip r:embed="rId2">
+            <a:extLst>
+              <a:ext uri="{28A0092B-C50C-407E-A947-70E740481C1C}">
+                <a14:useLocalDpi xmlns:a14="http://schemas.microsoft.com/office/drawing/2010/main" val="0"/>
+              </a:ext>
+            </a:extLst>
+          </a:blip>
+          <a:srcRect/>
+          <a:stretch>
+            <a:fillRect/>
+          </a:stretch>
+        </p:blipFill>
+        <p:spPr bwMode="auto">
+          <a:xfrm>
+            <a:off x="376631" y="1933687"/>
+            <a:ext cx="9393445" cy="4788768"/>
+          </a:xfrm>
+          <a:prstGeom prst="rect">
+            <a:avLst/>
+          </a:prstGeom>
+          <a:noFill/>
+          <a:ln>
+            <a:noFill/>
+          </a:ln>
+          <a:extLst>
+            <a:ext uri="{909E8E84-426E-40DD-AFC4-6F175D3DCCD1}">
+              <a14:hiddenFill xmlns:a14="http://schemas.microsoft.com/office/drawing/2010/main">
+                <a:solidFill>
+                  <a:srgbClr val="FFFFFF"/>
+                </a:solidFill>
+              </a14:hiddenFill>
+            </a:ext>
+            <a:ext uri="{91240B29-F687-4F45-9708-019B960494DF}">
+              <a14:hiddenLine xmlns:a14="http://schemas.microsoft.com/office/drawing/2010/main" w="9525">
+                <a:solidFill>
+                  <a:srgbClr val="000000"/>
+                </a:solidFill>
+                <a:miter lim="800000"/>
+                <a:headEnd/>
+                <a:tailEnd/>
+              </a14:hiddenLine>
+            </a:ext>
+          </a:extLst>
+        </p:spPr>
+      </p:pic>
+      <p:pic>
+        <p:nvPicPr>
+          <p:cNvPr id="7" name="Picture 3"/>
+          <p:cNvPicPr>
+            <a:picLocks noChangeAspect="1" noChangeArrowheads="1"/>
+          </p:cNvPicPr>
+          <p:nvPr/>
+        </p:nvPicPr>
+        <p:blipFill>
+          <a:blip r:embed="rId3">
+            <a:extLst>
+              <a:ext uri="{28A0092B-C50C-407E-A947-70E740481C1C}">
+                <a14:useLocalDpi xmlns:a14="http://schemas.microsoft.com/office/drawing/2010/main" val="0"/>
+              </a:ext>
+            </a:extLst>
+          </a:blip>
+          <a:srcRect/>
+          <a:stretch>
+            <a:fillRect/>
+          </a:stretch>
+        </p:blipFill>
+        <p:spPr bwMode="auto">
+          <a:xfrm>
+            <a:off x="9698672" y="58370"/>
+            <a:ext cx="2426687" cy="680733"/>
+          </a:xfrm>
+          <a:prstGeom prst="rect">
+            <a:avLst/>
+          </a:prstGeom>
+          <a:noFill/>
+          <a:ln>
+            <a:noFill/>
+          </a:ln>
+          <a:effectLst/>
+          <a:extLst>
+            <a:ext uri="{909E8E84-426E-40DD-AFC4-6F175D3DCCD1}">
+              <a14:hiddenFill xmlns:a14="http://schemas.microsoft.com/office/drawing/2010/main">
+                <a:blipFill dpi="0" rotWithShape="0">
+                  <a:blip/>
+                  <a:srcRect/>
+                  <a:stretch>
+                    <a:fillRect/>
+                  </a:stretch>
+                </a:blipFill>
+              </a14:hiddenFill>
+            </a:ext>
+            <a:ext uri="{91240B29-F687-4F45-9708-019B960494DF}">
+              <a14:hiddenLine xmlns:a14="http://schemas.microsoft.com/office/drawing/2010/main" w="9525" cap="flat">
+                <a:solidFill>
+                  <a:srgbClr val="808080"/>
+                </a:solidFill>
+                <a:round/>
+                <a:headEnd/>
+                <a:tailEnd/>
+              </a14:hiddenLine>
+            </a:ext>
+            <a:ext uri="{AF507438-7753-43E0-B8FC-AC1667EBCBE1}">
+              <a14:hiddenEffects xmlns:a14="http://schemas.microsoft.com/office/drawing/2010/main">
+                <a:effectLst>
+                  <a:outerShdw dist="35921" dir="2700000" algn="ctr" rotWithShape="0">
+                    <a:srgbClr val="808080"/>
+                  </a:outerShdw>
+                </a:effectLst>
+              </a14:hiddenEffects>
+            </a:ext>
+          </a:extLst>
+        </p:spPr>
+      </p:pic>
     </p:spTree>
     <p:extLst>
       <p:ext uri="{BB962C8B-B14F-4D97-AF65-F5344CB8AC3E}">
-        <p14:creationId xmlns:p14="http://schemas.microsoft.com/office/powerpoint/2010/main" val="2673801160"/>
+        <p14:creationId xmlns:p14="http://schemas.microsoft.com/office/powerpoint/2010/main" val="3486985384"/>
       </p:ext>
     </p:extLst>
   </p:cSld>
@@ -5285,40 +5461,90 @@
             <p:ph type="title"/>
           </p:nvPr>
         </p:nvSpPr>
-        <p:spPr/>
-        <p:txBody>
-          <a:bodyPr/>
+        <p:spPr>
+          <a:xfrm>
+            <a:off x="648727" y="365125"/>
+            <a:ext cx="10515600" cy="1325563"/>
+          </a:xfrm>
+        </p:spPr>
+        <p:txBody>
+          <a:bodyPr>
+            <a:normAutofit/>
+          </a:bodyPr>
           <a:lstStyle/>
           <a:p>
             <a:r>
+              <a:rPr lang="ru-RU" sz="3600" dirty="0"/>
+              <a:t>Результаты экспериментов (суперкомпьютер ННГУ)</a:t>
+            </a:r>
+          </a:p>
+        </p:txBody>
+      </p:sp>
+      <p:sp>
+        <p:nvSpPr>
+          <p:cNvPr id="4" name="TextBox 3"/>
+          <p:cNvSpPr txBox="1"/>
+          <p:nvPr/>
+        </p:nvSpPr>
+        <p:spPr>
+          <a:xfrm>
+            <a:off x="5588000" y="6458857"/>
+            <a:ext cx="5878286" cy="369332"/>
+          </a:xfrm>
+          <a:prstGeom prst="rect">
+            <a:avLst/>
+          </a:prstGeom>
+          <a:noFill/>
+        </p:spPr>
+        <p:txBody>
+          <a:bodyPr wrap="square" rtlCol="0">
+            <a:spAutoFit/>
+          </a:bodyPr>
+          <a:lstStyle/>
+          <a:p>
+            <a:r>
               <a:rPr lang="ru-RU" dirty="0"/>
-              <a:t>Литература</a:t>
-            </a:r>
-          </a:p>
-        </p:txBody>
-      </p:sp>
-      <p:sp>
-        <p:nvSpPr>
-          <p:cNvPr id="3" name="Объект 2"/>
-          <p:cNvSpPr>
-            <a:spLocks noGrp="1"/>
-          </p:cNvSpPr>
-          <p:nvPr>
-            <p:ph idx="1"/>
-          </p:nvPr>
-        </p:nvSpPr>
-        <p:spPr/>
-        <p:txBody>
-          <a:bodyPr/>
-          <a:lstStyle/>
-          <a:p>
-            <a:endParaRPr lang="ru-RU"/>
-          </a:p>
-        </p:txBody>
-      </p:sp>
-      <p:sp>
-        <p:nvSpPr>
-          <p:cNvPr id="4" name="Номер слайда 3"/>
+              <a:t>2 </a:t>
+            </a:r>
+            <a:r>
+              <a:rPr lang="en-US" dirty="0"/>
+              <a:t>x Intel Xeon E5-2660 </a:t>
+            </a:r>
+            <a:r>
+              <a:rPr lang="en-US" dirty="0">
+                <a:solidFill>
+                  <a:srgbClr val="FF0000"/>
+                </a:solidFill>
+              </a:rPr>
+              <a:t>2.2GHz</a:t>
+            </a:r>
+            <a:r>
+              <a:rPr lang="en-US" dirty="0"/>
+              <a:t>,</a:t>
+            </a:r>
+            <a:r>
+              <a:rPr lang="ru-RU" dirty="0"/>
+              <a:t> 16</a:t>
+            </a:r>
+            <a:r>
+              <a:rPr lang="en-US" dirty="0"/>
+              <a:t> </a:t>
+            </a:r>
+            <a:r>
+              <a:rPr lang="ru-RU" dirty="0"/>
+              <a:t>ядер, 64 </a:t>
+            </a:r>
+            <a:r>
+              <a:rPr lang="en-US" dirty="0"/>
+              <a:t>GB RAM</a:t>
+            </a:r>
+            <a:endParaRPr lang="ru-RU" dirty="0"/>
+          </a:p>
+        </p:txBody>
+      </p:sp>
+      <p:sp>
+        <p:nvSpPr>
+          <p:cNvPr id="5" name="Номер слайда 4"/>
           <p:cNvSpPr>
             <a:spLocks noGrp="1"/>
           </p:cNvSpPr>
@@ -5339,6 +5565,1719 @@
           </a:p>
         </p:txBody>
       </p:sp>
+      <p:graphicFrame>
+        <p:nvGraphicFramePr>
+          <p:cNvPr id="3" name="Объект 2"/>
+          <p:cNvGraphicFramePr>
+            <a:graphicFrameLocks noGrp="1"/>
+          </p:cNvGraphicFramePr>
+          <p:nvPr>
+            <p:ph idx="1"/>
+            <p:extLst>
+              <p:ext uri="{D42A27DB-BD31-4B8C-83A1-F6EECF244321}">
+                <p14:modId xmlns:p14="http://schemas.microsoft.com/office/powerpoint/2010/main" val="456186270"/>
+              </p:ext>
+            </p:extLst>
+          </p:nvPr>
+        </p:nvGraphicFramePr>
+        <p:xfrm>
+          <a:off x="162627" y="1825625"/>
+          <a:ext cx="11750694" cy="1546165"/>
+        </p:xfrm>
+        <a:graphic>
+          <a:graphicData uri="http://schemas.openxmlformats.org/drawingml/2006/table">
+            <a:tbl>
+              <a:tblPr firstRow="1" bandRow="1">
+                <a:tableStyleId>{5C22544A-7EE6-4342-B048-85BDC9FD1C3A}</a:tableStyleId>
+              </a:tblPr>
+              <a:tblGrid>
+                <a:gridCol w="1958449"/>
+                <a:gridCol w="1958449"/>
+                <a:gridCol w="1958449"/>
+                <a:gridCol w="1958449"/>
+                <a:gridCol w="1958449"/>
+                <a:gridCol w="1958449"/>
+              </a:tblGrid>
+              <a:tr h="596299">
+                <a:tc>
+                  <a:txBody>
+                    <a:bodyPr/>
+                    <a:lstStyle/>
+                    <a:p>
+                      <a:endParaRPr lang="ru-RU" sz="2400" dirty="0"/>
+                    </a:p>
+                  </a:txBody>
+                  <a:tcPr/>
+                </a:tc>
+                <a:tc>
+                  <a:txBody>
+                    <a:bodyPr/>
+                    <a:lstStyle/>
+                    <a:p>
+                      <a:r>
+                        <a:rPr lang="en-US" sz="2400" dirty="0" smtClean="0"/>
+                        <a:t>1</a:t>
+                      </a:r>
+                      <a:r>
+                        <a:rPr lang="en-US" sz="2400" baseline="0" dirty="0" smtClean="0"/>
+                        <a:t> </a:t>
+                      </a:r>
+                      <a:r>
+                        <a:rPr lang="ru-RU" sz="2400" baseline="0" dirty="0" smtClean="0"/>
+                        <a:t>процесс</a:t>
+                      </a:r>
+                      <a:endParaRPr lang="ru-RU" sz="2400" dirty="0"/>
+                    </a:p>
+                  </a:txBody>
+                  <a:tcPr/>
+                </a:tc>
+                <a:tc>
+                  <a:txBody>
+                    <a:bodyPr/>
+                    <a:lstStyle/>
+                    <a:p>
+                      <a:r>
+                        <a:rPr lang="ru-RU" sz="2400" dirty="0" smtClean="0"/>
+                        <a:t>2</a:t>
+                      </a:r>
+                      <a:r>
+                        <a:rPr lang="en-US" sz="2400" baseline="0" dirty="0" smtClean="0"/>
+                        <a:t> </a:t>
+                      </a:r>
+                      <a:r>
+                        <a:rPr lang="ru-RU" sz="2400" baseline="0" dirty="0" smtClean="0"/>
+                        <a:t>процесса</a:t>
+                      </a:r>
+                      <a:endParaRPr lang="ru-RU" sz="2400" dirty="0"/>
+                    </a:p>
+                  </a:txBody>
+                  <a:tcPr/>
+                </a:tc>
+                <a:tc>
+                  <a:txBody>
+                    <a:bodyPr/>
+                    <a:lstStyle/>
+                    <a:p>
+                      <a:r>
+                        <a:rPr lang="ru-RU" sz="2400" dirty="0" smtClean="0"/>
+                        <a:t>4</a:t>
+                      </a:r>
+                      <a:r>
+                        <a:rPr lang="en-US" sz="2400" baseline="0" dirty="0" smtClean="0"/>
+                        <a:t> </a:t>
+                      </a:r>
+                      <a:r>
+                        <a:rPr lang="ru-RU" sz="2400" baseline="0" dirty="0" smtClean="0"/>
+                        <a:t>процесса</a:t>
+                      </a:r>
+                      <a:endParaRPr lang="ru-RU" sz="2400" dirty="0"/>
+                    </a:p>
+                  </a:txBody>
+                  <a:tcPr/>
+                </a:tc>
+                <a:tc>
+                  <a:txBody>
+                    <a:bodyPr/>
+                    <a:lstStyle/>
+                    <a:p>
+                      <a:r>
+                        <a:rPr lang="ru-RU" sz="2400" baseline="0" dirty="0" smtClean="0"/>
+                        <a:t>8</a:t>
+                      </a:r>
+                      <a:r>
+                        <a:rPr lang="en-US" sz="2400" baseline="0" dirty="0" smtClean="0"/>
+                        <a:t> </a:t>
+                      </a:r>
+                      <a:r>
+                        <a:rPr lang="ru-RU" sz="2400" baseline="0" smtClean="0"/>
+                        <a:t>процессов</a:t>
+                      </a:r>
+                      <a:endParaRPr lang="ru-RU" sz="2400" dirty="0"/>
+                    </a:p>
+                  </a:txBody>
+                  <a:tcPr/>
+                </a:tc>
+                <a:tc>
+                  <a:txBody>
+                    <a:bodyPr/>
+                    <a:lstStyle/>
+                    <a:p>
+                      <a:r>
+                        <a:rPr lang="ru-RU" sz="2400" dirty="0" smtClean="0"/>
+                        <a:t>16 процессов</a:t>
+                      </a:r>
+                      <a:endParaRPr lang="ru-RU" sz="2400" dirty="0"/>
+                    </a:p>
+                  </a:txBody>
+                  <a:tcPr/>
+                </a:tc>
+              </a:tr>
+              <a:tr h="474933">
+                <a:tc>
+                  <a:txBody>
+                    <a:bodyPr/>
+                    <a:lstStyle/>
+                    <a:p>
+                      <a:pPr algn="ctr"/>
+                      <a:r>
+                        <a:rPr lang="ru-RU" sz="2000" kern="1200" dirty="0" smtClean="0">
+                          <a:solidFill>
+                            <a:schemeClr val="dk1"/>
+                          </a:solidFill>
+                          <a:effectLst/>
+                          <a:latin typeface="+mn-lt"/>
+                          <a:ea typeface="+mn-ea"/>
+                          <a:cs typeface="+mn-cs"/>
+                        </a:rPr>
+                        <a:t>На одном узле</a:t>
+                      </a:r>
+                      <a:endParaRPr lang="ru-RU" sz="2000" dirty="0"/>
+                    </a:p>
+                  </a:txBody>
+                  <a:tcPr/>
+                </a:tc>
+                <a:tc>
+                  <a:txBody>
+                    <a:bodyPr/>
+                    <a:lstStyle/>
+                    <a:p>
+                      <a:pPr algn="ctr">
+                        <a:spcBef>
+                          <a:spcPts val="600"/>
+                        </a:spcBef>
+                        <a:spcAft>
+                          <a:spcPts val="0"/>
+                        </a:spcAft>
+                      </a:pPr>
+                      <a:r>
+                        <a:rPr lang="ru-RU" sz="2000" kern="1200" dirty="0">
+                          <a:solidFill>
+                            <a:schemeClr val="dk1"/>
+                          </a:solidFill>
+                          <a:effectLst/>
+                          <a:latin typeface="+mn-lt"/>
+                          <a:ea typeface="+mn-ea"/>
+                          <a:cs typeface="+mn-cs"/>
+                        </a:rPr>
+                        <a:t>17.2829</a:t>
+                      </a:r>
+                    </a:p>
+                  </a:txBody>
+                  <a:tcPr marL="68580" marR="68580" marT="0" marB="0"/>
+                </a:tc>
+                <a:tc>
+                  <a:txBody>
+                    <a:bodyPr/>
+                    <a:lstStyle/>
+                    <a:p>
+                      <a:pPr algn="ctr">
+                        <a:spcBef>
+                          <a:spcPts val="600"/>
+                        </a:spcBef>
+                        <a:spcAft>
+                          <a:spcPts val="0"/>
+                        </a:spcAft>
+                      </a:pPr>
+                      <a:r>
+                        <a:rPr lang="ru-RU" sz="2000" kern="1200" dirty="0">
+                          <a:solidFill>
+                            <a:schemeClr val="dk1"/>
+                          </a:solidFill>
+                          <a:effectLst/>
+                          <a:latin typeface="+mn-lt"/>
+                          <a:ea typeface="+mn-ea"/>
+                          <a:cs typeface="+mn-cs"/>
+                        </a:rPr>
+                        <a:t>8.76033</a:t>
+                      </a:r>
+                    </a:p>
+                  </a:txBody>
+                  <a:tcPr marL="68580" marR="68580" marT="0" marB="0"/>
+                </a:tc>
+                <a:tc>
+                  <a:txBody>
+                    <a:bodyPr/>
+                    <a:lstStyle/>
+                    <a:p>
+                      <a:pPr algn="ctr">
+                        <a:spcBef>
+                          <a:spcPts val="600"/>
+                        </a:spcBef>
+                        <a:spcAft>
+                          <a:spcPts val="0"/>
+                        </a:spcAft>
+                      </a:pPr>
+                      <a:r>
+                        <a:rPr lang="ru-RU" sz="2000" kern="1200">
+                          <a:solidFill>
+                            <a:schemeClr val="dk1"/>
+                          </a:solidFill>
+                          <a:effectLst/>
+                          <a:latin typeface="+mn-lt"/>
+                          <a:ea typeface="+mn-ea"/>
+                          <a:cs typeface="+mn-cs"/>
+                        </a:rPr>
+                        <a:t>4.37875</a:t>
+                      </a:r>
+                    </a:p>
+                  </a:txBody>
+                  <a:tcPr marL="68580" marR="68580" marT="0" marB="0"/>
+                </a:tc>
+                <a:tc>
+                  <a:txBody>
+                    <a:bodyPr/>
+                    <a:lstStyle/>
+                    <a:p>
+                      <a:pPr algn="ctr">
+                        <a:spcBef>
+                          <a:spcPts val="600"/>
+                        </a:spcBef>
+                        <a:spcAft>
+                          <a:spcPts val="0"/>
+                        </a:spcAft>
+                      </a:pPr>
+                      <a:r>
+                        <a:rPr lang="ru-RU" sz="2000" kern="1200">
+                          <a:solidFill>
+                            <a:schemeClr val="dk1"/>
+                          </a:solidFill>
+                          <a:effectLst/>
+                          <a:latin typeface="+mn-lt"/>
+                          <a:ea typeface="+mn-ea"/>
+                          <a:cs typeface="+mn-cs"/>
+                        </a:rPr>
+                        <a:t>2.20888</a:t>
+                      </a:r>
+                    </a:p>
+                  </a:txBody>
+                  <a:tcPr marL="68580" marR="68580" marT="0" marB="0"/>
+                </a:tc>
+                <a:tc>
+                  <a:txBody>
+                    <a:bodyPr/>
+                    <a:lstStyle/>
+                    <a:p>
+                      <a:pPr algn="ctr">
+                        <a:spcBef>
+                          <a:spcPts val="600"/>
+                        </a:spcBef>
+                        <a:spcAft>
+                          <a:spcPts val="0"/>
+                        </a:spcAft>
+                      </a:pPr>
+                      <a:r>
+                        <a:rPr lang="en-US" sz="2000" kern="1200" dirty="0">
+                          <a:solidFill>
+                            <a:schemeClr val="dk1"/>
+                          </a:solidFill>
+                          <a:effectLst/>
+                          <a:latin typeface="+mn-lt"/>
+                          <a:ea typeface="+mn-ea"/>
+                          <a:cs typeface="+mn-cs"/>
+                        </a:rPr>
+                        <a:t>1.15986</a:t>
+                      </a:r>
+                      <a:endParaRPr lang="ru-RU" sz="2000" kern="1200" dirty="0">
+                        <a:solidFill>
+                          <a:schemeClr val="dk1"/>
+                        </a:solidFill>
+                        <a:effectLst/>
+                        <a:latin typeface="+mn-lt"/>
+                        <a:ea typeface="+mn-ea"/>
+                        <a:cs typeface="+mn-cs"/>
+                      </a:endParaRPr>
+                    </a:p>
+                  </a:txBody>
+                  <a:tcPr marL="68580" marR="68580" marT="0" marB="0"/>
+                </a:tc>
+              </a:tr>
+              <a:tr h="474933">
+                <a:tc>
+                  <a:txBody>
+                    <a:bodyPr/>
+                    <a:lstStyle/>
+                    <a:p>
+                      <a:pPr algn="ctr"/>
+                      <a:r>
+                        <a:rPr lang="ru-RU" sz="2000" kern="1200" dirty="0" smtClean="0">
+                          <a:solidFill>
+                            <a:schemeClr val="dk1"/>
+                          </a:solidFill>
+                          <a:effectLst/>
+                          <a:latin typeface="+mn-lt"/>
+                          <a:ea typeface="+mn-ea"/>
+                          <a:cs typeface="+mn-cs"/>
+                        </a:rPr>
+                        <a:t>На разных узлах</a:t>
+                      </a:r>
+                      <a:endParaRPr lang="ru-RU" sz="2000" dirty="0"/>
+                    </a:p>
+                  </a:txBody>
+                  <a:tcPr/>
+                </a:tc>
+                <a:tc>
+                  <a:txBody>
+                    <a:bodyPr/>
+                    <a:lstStyle/>
+                    <a:p>
+                      <a:pPr algn="ctr">
+                        <a:spcBef>
+                          <a:spcPts val="600"/>
+                        </a:spcBef>
+                        <a:spcAft>
+                          <a:spcPts val="0"/>
+                        </a:spcAft>
+                      </a:pPr>
+                      <a:r>
+                        <a:rPr lang="ru-RU" sz="2000" kern="1200" dirty="0">
+                          <a:solidFill>
+                            <a:schemeClr val="dk1"/>
+                          </a:solidFill>
+                          <a:effectLst/>
+                          <a:latin typeface="+mn-lt"/>
+                          <a:ea typeface="+mn-ea"/>
+                          <a:cs typeface="+mn-cs"/>
+                        </a:rPr>
+                        <a:t>17.2829</a:t>
+                      </a:r>
+                    </a:p>
+                  </a:txBody>
+                  <a:tcPr marL="68580" marR="68580" marT="0" marB="0"/>
+                </a:tc>
+                <a:tc>
+                  <a:txBody>
+                    <a:bodyPr/>
+                    <a:lstStyle/>
+                    <a:p>
+                      <a:pPr algn="ctr">
+                        <a:spcBef>
+                          <a:spcPts val="600"/>
+                        </a:spcBef>
+                        <a:spcAft>
+                          <a:spcPts val="0"/>
+                        </a:spcAft>
+                      </a:pPr>
+                      <a:r>
+                        <a:rPr lang="ru-RU" sz="2000" kern="1200" dirty="0">
+                          <a:solidFill>
+                            <a:schemeClr val="dk1"/>
+                          </a:solidFill>
+                          <a:effectLst/>
+                          <a:latin typeface="+mn-lt"/>
+                          <a:ea typeface="+mn-ea"/>
+                          <a:cs typeface="+mn-cs"/>
+                        </a:rPr>
+                        <a:t>8.71029</a:t>
+                      </a:r>
+                    </a:p>
+                  </a:txBody>
+                  <a:tcPr marL="68580" marR="68580" marT="0" marB="0"/>
+                </a:tc>
+                <a:tc>
+                  <a:txBody>
+                    <a:bodyPr/>
+                    <a:lstStyle/>
+                    <a:p>
+                      <a:pPr algn="ctr">
+                        <a:spcBef>
+                          <a:spcPts val="600"/>
+                        </a:spcBef>
+                        <a:spcAft>
+                          <a:spcPts val="0"/>
+                        </a:spcAft>
+                      </a:pPr>
+                      <a:r>
+                        <a:rPr lang="en-US" sz="2000" kern="1200" dirty="0">
+                          <a:solidFill>
+                            <a:schemeClr val="dk1"/>
+                          </a:solidFill>
+                          <a:effectLst/>
+                          <a:latin typeface="+mn-lt"/>
+                          <a:ea typeface="+mn-ea"/>
+                          <a:cs typeface="+mn-cs"/>
+                        </a:rPr>
+                        <a:t>4</a:t>
+                      </a:r>
+                      <a:r>
+                        <a:rPr lang="ru-RU" sz="2000" kern="1200" dirty="0">
+                          <a:solidFill>
+                            <a:schemeClr val="dk1"/>
+                          </a:solidFill>
+                          <a:effectLst/>
+                          <a:latin typeface="+mn-lt"/>
+                          <a:ea typeface="+mn-ea"/>
+                          <a:cs typeface="+mn-cs"/>
+                        </a:rPr>
+                        <a:t>.</a:t>
+                      </a:r>
+                      <a:r>
+                        <a:rPr lang="en-US" sz="2000" kern="1200" dirty="0">
+                          <a:solidFill>
+                            <a:schemeClr val="dk1"/>
+                          </a:solidFill>
+                          <a:effectLst/>
+                          <a:latin typeface="+mn-lt"/>
+                          <a:ea typeface="+mn-ea"/>
+                          <a:cs typeface="+mn-cs"/>
+                        </a:rPr>
+                        <a:t>39526</a:t>
+                      </a:r>
+                      <a:endParaRPr lang="ru-RU" sz="2000" kern="1200" dirty="0">
+                        <a:solidFill>
+                          <a:schemeClr val="dk1"/>
+                        </a:solidFill>
+                        <a:effectLst/>
+                        <a:latin typeface="+mn-lt"/>
+                        <a:ea typeface="+mn-ea"/>
+                        <a:cs typeface="+mn-cs"/>
+                      </a:endParaRPr>
+                    </a:p>
+                  </a:txBody>
+                  <a:tcPr marL="68580" marR="68580" marT="0" marB="0"/>
+                </a:tc>
+                <a:tc>
+                  <a:txBody>
+                    <a:bodyPr/>
+                    <a:lstStyle/>
+                    <a:p>
+                      <a:pPr algn="ctr">
+                        <a:spcBef>
+                          <a:spcPts val="600"/>
+                        </a:spcBef>
+                        <a:spcAft>
+                          <a:spcPts val="0"/>
+                        </a:spcAft>
+                      </a:pPr>
+                      <a:r>
+                        <a:rPr lang="ru-RU" sz="2000" kern="1200" dirty="0">
+                          <a:solidFill>
+                            <a:schemeClr val="dk1"/>
+                          </a:solidFill>
+                          <a:effectLst/>
+                          <a:latin typeface="+mn-lt"/>
+                          <a:ea typeface="+mn-ea"/>
+                          <a:cs typeface="+mn-cs"/>
+                        </a:rPr>
+                        <a:t>2.19659</a:t>
+                      </a:r>
+                    </a:p>
+                  </a:txBody>
+                  <a:tcPr marL="68580" marR="68580" marT="0" marB="0"/>
+                </a:tc>
+                <a:tc>
+                  <a:txBody>
+                    <a:bodyPr/>
+                    <a:lstStyle/>
+                    <a:p>
+                      <a:pPr algn="ctr">
+                        <a:spcBef>
+                          <a:spcPts val="600"/>
+                        </a:spcBef>
+                        <a:spcAft>
+                          <a:spcPts val="0"/>
+                        </a:spcAft>
+                      </a:pPr>
+                      <a:r>
+                        <a:rPr lang="ru-RU" sz="2000" kern="1200" dirty="0">
+                          <a:solidFill>
+                            <a:schemeClr val="dk1"/>
+                          </a:solidFill>
+                          <a:effectLst/>
+                          <a:latin typeface="+mn-lt"/>
+                          <a:ea typeface="+mn-ea"/>
+                          <a:cs typeface="+mn-cs"/>
+                        </a:rPr>
+                        <a:t>1.14126</a:t>
+                      </a:r>
+                    </a:p>
+                  </a:txBody>
+                  <a:tcPr marL="68580" marR="68580" marT="0" marB="0"/>
+                </a:tc>
+              </a:tr>
+            </a:tbl>
+          </a:graphicData>
+        </a:graphic>
+      </p:graphicFrame>
+      <p:sp>
+        <p:nvSpPr>
+          <p:cNvPr id="6" name="Прямоугольник 5"/>
+          <p:cNvSpPr/>
+          <p:nvPr/>
+        </p:nvSpPr>
+        <p:spPr>
+          <a:xfrm>
+            <a:off x="155327" y="1393085"/>
+            <a:ext cx="10227672" cy="400110"/>
+          </a:xfrm>
+          <a:prstGeom prst="rect">
+            <a:avLst/>
+          </a:prstGeom>
+        </p:spPr>
+        <p:txBody>
+          <a:bodyPr wrap="none">
+            <a:spAutoFit/>
+          </a:bodyPr>
+          <a:lstStyle/>
+          <a:p>
+            <a:pPr algn="just">
+              <a:spcAft>
+                <a:spcPts val="0"/>
+              </a:spcAft>
+            </a:pPr>
+            <a:r>
+              <a:rPr lang="ru-RU" sz="2000" dirty="0" smtClean="0">
+                <a:latin typeface="Times New Roman" panose="02020603050405020304" pitchFamily="18" charset="0"/>
+                <a:ea typeface="Times New Roman" panose="02020603050405020304" pitchFamily="18" charset="0"/>
+              </a:rPr>
+              <a:t>Нахождение коэффициентов и вычисление значения функции в точке, </a:t>
+            </a:r>
+            <a:r>
+              <a:rPr lang="en-US" sz="2000" dirty="0" smtClean="0">
+                <a:latin typeface="Times New Roman" panose="02020603050405020304" pitchFamily="18" charset="0"/>
+                <a:ea typeface="Times New Roman" panose="02020603050405020304" pitchFamily="18" charset="0"/>
+              </a:rPr>
+              <a:t>N</a:t>
+            </a:r>
+            <a:r>
+              <a:rPr lang="ru-RU" sz="2000" dirty="0" smtClean="0">
+                <a:latin typeface="Times New Roman" panose="02020603050405020304" pitchFamily="18" charset="0"/>
+                <a:ea typeface="Times New Roman" panose="02020603050405020304" pitchFamily="18" charset="0"/>
+              </a:rPr>
+              <a:t> </a:t>
+            </a:r>
+            <a:r>
+              <a:rPr lang="ru-RU" sz="2000" dirty="0">
+                <a:latin typeface="Times New Roman" panose="02020603050405020304" pitchFamily="18" charset="0"/>
+                <a:ea typeface="Times New Roman" panose="02020603050405020304" pitchFamily="18" charset="0"/>
+              </a:rPr>
+              <a:t>= 20</a:t>
+            </a:r>
+            <a:r>
+              <a:rPr lang="en-US" sz="2000" dirty="0">
+                <a:latin typeface="Times New Roman" panose="02020603050405020304" pitchFamily="18" charset="0"/>
+                <a:ea typeface="Times New Roman" panose="02020603050405020304" pitchFamily="18" charset="0"/>
+              </a:rPr>
+              <a:t> </a:t>
+            </a:r>
+            <a:r>
+              <a:rPr lang="ru-RU" sz="2000" dirty="0">
+                <a:latin typeface="Times New Roman" panose="02020603050405020304" pitchFamily="18" charset="0"/>
+                <a:ea typeface="Times New Roman" panose="02020603050405020304" pitchFamily="18" charset="0"/>
+              </a:rPr>
+              <a:t>001, </a:t>
+            </a:r>
+            <a:r>
+              <a:rPr lang="en-US" sz="2000" dirty="0">
+                <a:latin typeface="Times New Roman" panose="02020603050405020304" pitchFamily="18" charset="0"/>
+                <a:ea typeface="Times New Roman" panose="02020603050405020304" pitchFamily="18" charset="0"/>
+              </a:rPr>
+              <a:t>M</a:t>
+            </a:r>
+            <a:r>
+              <a:rPr lang="ru-RU" sz="2000" dirty="0">
+                <a:latin typeface="Times New Roman" panose="02020603050405020304" pitchFamily="18" charset="0"/>
+                <a:ea typeface="Times New Roman" panose="02020603050405020304" pitchFamily="18" charset="0"/>
+              </a:rPr>
+              <a:t> = </a:t>
+            </a:r>
+            <a:r>
+              <a:rPr lang="en-US" sz="2000" dirty="0">
+                <a:latin typeface="Times New Roman" panose="02020603050405020304" pitchFamily="18" charset="0"/>
+                <a:ea typeface="Times New Roman" panose="02020603050405020304" pitchFamily="18" charset="0"/>
+              </a:rPr>
+              <a:t>N</a:t>
+            </a:r>
+            <a:r>
+              <a:rPr lang="ru-RU" sz="2000" dirty="0">
+                <a:latin typeface="Times New Roman" panose="02020603050405020304" pitchFamily="18" charset="0"/>
+                <a:ea typeface="Times New Roman" panose="02020603050405020304" pitchFamily="18" charset="0"/>
+              </a:rPr>
+              <a:t> / 2</a:t>
+            </a:r>
+            <a:endParaRPr lang="ru-RU" sz="2000" dirty="0">
+              <a:effectLst/>
+              <a:latin typeface="Times New Roman" panose="02020603050405020304" pitchFamily="18" charset="0"/>
+              <a:ea typeface="Times New Roman" panose="02020603050405020304" pitchFamily="18" charset="0"/>
+            </a:endParaRPr>
+          </a:p>
+        </p:txBody>
+      </p:sp>
+      <p:sp>
+        <p:nvSpPr>
+          <p:cNvPr id="7" name="Прямоугольник 6"/>
+          <p:cNvSpPr/>
+          <p:nvPr/>
+        </p:nvSpPr>
+        <p:spPr>
+          <a:xfrm>
+            <a:off x="155327" y="3348837"/>
+            <a:ext cx="2685094" cy="369332"/>
+          </a:xfrm>
+          <a:prstGeom prst="rect">
+            <a:avLst/>
+          </a:prstGeom>
+        </p:spPr>
+        <p:txBody>
+          <a:bodyPr wrap="none">
+            <a:spAutoFit/>
+          </a:bodyPr>
+          <a:lstStyle/>
+          <a:p>
+            <a:r>
+              <a:rPr lang="ru-RU" dirty="0">
+                <a:latin typeface="Times New Roman" panose="02020603050405020304" pitchFamily="18" charset="0"/>
+                <a:ea typeface="Times New Roman" panose="02020603050405020304" pitchFamily="18" charset="0"/>
+              </a:rPr>
+              <a:t>Время работы в секундах</a:t>
+            </a:r>
+            <a:endParaRPr lang="ru-RU" dirty="0"/>
+          </a:p>
+        </p:txBody>
+      </p:sp>
+      <p:graphicFrame>
+        <p:nvGraphicFramePr>
+          <p:cNvPr id="8" name="Объект 2"/>
+          <p:cNvGraphicFramePr>
+            <a:graphicFrameLocks/>
+          </p:cNvGraphicFramePr>
+          <p:nvPr>
+            <p:extLst>
+              <p:ext uri="{D42A27DB-BD31-4B8C-83A1-F6EECF244321}">
+                <p14:modId xmlns:p14="http://schemas.microsoft.com/office/powerpoint/2010/main" val="399492392"/>
+              </p:ext>
+            </p:extLst>
+          </p:nvPr>
+        </p:nvGraphicFramePr>
+        <p:xfrm>
+          <a:off x="155327" y="3985849"/>
+          <a:ext cx="11750694" cy="1546165"/>
+        </p:xfrm>
+        <a:graphic>
+          <a:graphicData uri="http://schemas.openxmlformats.org/drawingml/2006/table">
+            <a:tbl>
+              <a:tblPr firstRow="1" bandRow="1">
+                <a:tableStyleId>{5C22544A-7EE6-4342-B048-85BDC9FD1C3A}</a:tableStyleId>
+              </a:tblPr>
+              <a:tblGrid>
+                <a:gridCol w="1958449"/>
+                <a:gridCol w="1958449"/>
+                <a:gridCol w="1958449"/>
+                <a:gridCol w="1958449"/>
+                <a:gridCol w="1958449"/>
+                <a:gridCol w="1958449"/>
+              </a:tblGrid>
+              <a:tr h="596299">
+                <a:tc>
+                  <a:txBody>
+                    <a:bodyPr/>
+                    <a:lstStyle/>
+                    <a:p>
+                      <a:endParaRPr lang="ru-RU" sz="2400" dirty="0"/>
+                    </a:p>
+                  </a:txBody>
+                  <a:tcPr/>
+                </a:tc>
+                <a:tc>
+                  <a:txBody>
+                    <a:bodyPr/>
+                    <a:lstStyle/>
+                    <a:p>
+                      <a:r>
+                        <a:rPr lang="en-US" sz="2400" dirty="0" smtClean="0"/>
+                        <a:t>1</a:t>
+                      </a:r>
+                      <a:r>
+                        <a:rPr lang="en-US" sz="2400" baseline="0" dirty="0" smtClean="0"/>
+                        <a:t> </a:t>
+                      </a:r>
+                      <a:r>
+                        <a:rPr lang="ru-RU" sz="2400" baseline="0" dirty="0" smtClean="0"/>
+                        <a:t>процесс</a:t>
+                      </a:r>
+                      <a:endParaRPr lang="ru-RU" sz="2400" dirty="0"/>
+                    </a:p>
+                  </a:txBody>
+                  <a:tcPr/>
+                </a:tc>
+                <a:tc>
+                  <a:txBody>
+                    <a:bodyPr/>
+                    <a:lstStyle/>
+                    <a:p>
+                      <a:r>
+                        <a:rPr lang="ru-RU" sz="2400" dirty="0" smtClean="0"/>
+                        <a:t>2</a:t>
+                      </a:r>
+                      <a:r>
+                        <a:rPr lang="en-US" sz="2400" baseline="0" dirty="0" smtClean="0"/>
+                        <a:t> </a:t>
+                      </a:r>
+                      <a:r>
+                        <a:rPr lang="ru-RU" sz="2400" baseline="0" dirty="0" smtClean="0"/>
+                        <a:t>процесса</a:t>
+                      </a:r>
+                      <a:endParaRPr lang="ru-RU" sz="2400" dirty="0"/>
+                    </a:p>
+                  </a:txBody>
+                  <a:tcPr/>
+                </a:tc>
+                <a:tc>
+                  <a:txBody>
+                    <a:bodyPr/>
+                    <a:lstStyle/>
+                    <a:p>
+                      <a:r>
+                        <a:rPr lang="ru-RU" sz="2400" dirty="0" smtClean="0"/>
+                        <a:t>4</a:t>
+                      </a:r>
+                      <a:r>
+                        <a:rPr lang="en-US" sz="2400" baseline="0" dirty="0" smtClean="0"/>
+                        <a:t> </a:t>
+                      </a:r>
+                      <a:r>
+                        <a:rPr lang="ru-RU" sz="2400" baseline="0" dirty="0" smtClean="0"/>
+                        <a:t>процесса</a:t>
+                      </a:r>
+                      <a:endParaRPr lang="ru-RU" sz="2400" dirty="0"/>
+                    </a:p>
+                  </a:txBody>
+                  <a:tcPr/>
+                </a:tc>
+                <a:tc>
+                  <a:txBody>
+                    <a:bodyPr/>
+                    <a:lstStyle/>
+                    <a:p>
+                      <a:r>
+                        <a:rPr lang="ru-RU" sz="2400" baseline="0" dirty="0" smtClean="0"/>
+                        <a:t>8</a:t>
+                      </a:r>
+                      <a:r>
+                        <a:rPr lang="en-US" sz="2400" baseline="0" dirty="0" smtClean="0"/>
+                        <a:t> </a:t>
+                      </a:r>
+                      <a:r>
+                        <a:rPr lang="ru-RU" sz="2400" baseline="0" smtClean="0"/>
+                        <a:t>процессов</a:t>
+                      </a:r>
+                      <a:endParaRPr lang="ru-RU" sz="2400" dirty="0"/>
+                    </a:p>
+                  </a:txBody>
+                  <a:tcPr/>
+                </a:tc>
+                <a:tc>
+                  <a:txBody>
+                    <a:bodyPr/>
+                    <a:lstStyle/>
+                    <a:p>
+                      <a:r>
+                        <a:rPr lang="ru-RU" sz="2400" dirty="0" smtClean="0"/>
+                        <a:t>16 процессов</a:t>
+                      </a:r>
+                      <a:endParaRPr lang="ru-RU" sz="2400" dirty="0"/>
+                    </a:p>
+                  </a:txBody>
+                  <a:tcPr/>
+                </a:tc>
+              </a:tr>
+              <a:tr h="474933">
+                <a:tc>
+                  <a:txBody>
+                    <a:bodyPr/>
+                    <a:lstStyle/>
+                    <a:p>
+                      <a:pPr algn="ctr"/>
+                      <a:r>
+                        <a:rPr lang="ru-RU" sz="2000" kern="1200" dirty="0" smtClean="0">
+                          <a:solidFill>
+                            <a:schemeClr val="dk1"/>
+                          </a:solidFill>
+                          <a:effectLst/>
+                          <a:latin typeface="+mn-lt"/>
+                          <a:ea typeface="+mn-ea"/>
+                          <a:cs typeface="+mn-cs"/>
+                        </a:rPr>
+                        <a:t>На одном узле</a:t>
+                      </a:r>
+                      <a:endParaRPr lang="ru-RU" sz="2000" dirty="0"/>
+                    </a:p>
+                  </a:txBody>
+                  <a:tcPr/>
+                </a:tc>
+                <a:tc>
+                  <a:txBody>
+                    <a:bodyPr/>
+                    <a:lstStyle/>
+                    <a:p>
+                      <a:pPr marL="0" algn="ctr" defTabSz="914400" rtl="0" eaLnBrk="1" latinLnBrk="0" hangingPunct="1">
+                        <a:spcBef>
+                          <a:spcPts val="600"/>
+                        </a:spcBef>
+                        <a:spcAft>
+                          <a:spcPts val="0"/>
+                        </a:spcAft>
+                      </a:pPr>
+                      <a:r>
+                        <a:rPr lang="en-US" sz="2000" kern="1200" dirty="0">
+                          <a:solidFill>
+                            <a:schemeClr val="dk1"/>
+                          </a:solidFill>
+                          <a:effectLst/>
+                          <a:latin typeface="+mn-lt"/>
+                          <a:ea typeface="+mn-ea"/>
+                          <a:cs typeface="+mn-cs"/>
+                        </a:rPr>
+                        <a:t>100%</a:t>
+                      </a:r>
+                      <a:endParaRPr lang="ru-RU" sz="2000" kern="1200" dirty="0">
+                        <a:solidFill>
+                          <a:schemeClr val="dk1"/>
+                        </a:solidFill>
+                        <a:effectLst/>
+                        <a:latin typeface="+mn-lt"/>
+                        <a:ea typeface="+mn-ea"/>
+                        <a:cs typeface="+mn-cs"/>
+                      </a:endParaRPr>
+                    </a:p>
+                  </a:txBody>
+                  <a:tcPr marL="68580" marR="68580" marT="0" marB="0"/>
+                </a:tc>
+                <a:tc>
+                  <a:txBody>
+                    <a:bodyPr/>
+                    <a:lstStyle/>
+                    <a:p>
+                      <a:pPr marL="0" algn="ctr" defTabSz="914400" rtl="0" eaLnBrk="1" latinLnBrk="0" hangingPunct="1">
+                        <a:spcBef>
+                          <a:spcPts val="600"/>
+                        </a:spcBef>
+                        <a:spcAft>
+                          <a:spcPts val="0"/>
+                        </a:spcAft>
+                      </a:pPr>
+                      <a:r>
+                        <a:rPr lang="ru-RU" sz="2000" kern="1200" dirty="0">
+                          <a:solidFill>
+                            <a:schemeClr val="dk1"/>
+                          </a:solidFill>
+                          <a:effectLst/>
+                          <a:latin typeface="+mn-lt"/>
+                          <a:ea typeface="+mn-ea"/>
+                          <a:cs typeface="+mn-cs"/>
+                        </a:rPr>
+                        <a:t>98.6%</a:t>
+                      </a:r>
+                    </a:p>
+                  </a:txBody>
+                  <a:tcPr marL="68580" marR="68580" marT="0" marB="0"/>
+                </a:tc>
+                <a:tc>
+                  <a:txBody>
+                    <a:bodyPr/>
+                    <a:lstStyle/>
+                    <a:p>
+                      <a:pPr marL="0" algn="ctr" defTabSz="914400" rtl="0" eaLnBrk="1" latinLnBrk="0" hangingPunct="1">
+                        <a:spcBef>
+                          <a:spcPts val="600"/>
+                        </a:spcBef>
+                        <a:spcAft>
+                          <a:spcPts val="0"/>
+                        </a:spcAft>
+                      </a:pPr>
+                      <a:r>
+                        <a:rPr lang="ru-RU" sz="2000" kern="1200">
+                          <a:solidFill>
+                            <a:schemeClr val="dk1"/>
+                          </a:solidFill>
+                          <a:effectLst/>
+                          <a:latin typeface="+mn-lt"/>
+                          <a:ea typeface="+mn-ea"/>
+                          <a:cs typeface="+mn-cs"/>
+                        </a:rPr>
+                        <a:t>98.6</a:t>
+                      </a:r>
+                      <a:r>
+                        <a:rPr lang="en-US" sz="2000" kern="1200">
+                          <a:solidFill>
+                            <a:schemeClr val="dk1"/>
+                          </a:solidFill>
+                          <a:effectLst/>
+                          <a:latin typeface="+mn-lt"/>
+                          <a:ea typeface="+mn-ea"/>
+                          <a:cs typeface="+mn-cs"/>
+                        </a:rPr>
+                        <a:t>%</a:t>
+                      </a:r>
+                      <a:endParaRPr lang="ru-RU" sz="2000" kern="1200">
+                        <a:solidFill>
+                          <a:schemeClr val="dk1"/>
+                        </a:solidFill>
+                        <a:effectLst/>
+                        <a:latin typeface="+mn-lt"/>
+                        <a:ea typeface="+mn-ea"/>
+                        <a:cs typeface="+mn-cs"/>
+                      </a:endParaRPr>
+                    </a:p>
+                  </a:txBody>
+                  <a:tcPr marL="68580" marR="68580" marT="0" marB="0"/>
+                </a:tc>
+                <a:tc>
+                  <a:txBody>
+                    <a:bodyPr/>
+                    <a:lstStyle/>
+                    <a:p>
+                      <a:pPr marL="0" algn="ctr" defTabSz="914400" rtl="0" eaLnBrk="1" latinLnBrk="0" hangingPunct="1">
+                        <a:spcBef>
+                          <a:spcPts val="600"/>
+                        </a:spcBef>
+                        <a:spcAft>
+                          <a:spcPts val="0"/>
+                        </a:spcAft>
+                      </a:pPr>
+                      <a:r>
+                        <a:rPr lang="en-US" sz="2000" kern="1200">
+                          <a:solidFill>
+                            <a:schemeClr val="dk1"/>
+                          </a:solidFill>
+                          <a:effectLst/>
+                          <a:latin typeface="+mn-lt"/>
+                          <a:ea typeface="+mn-ea"/>
+                          <a:cs typeface="+mn-cs"/>
+                        </a:rPr>
+                        <a:t>97.8%</a:t>
+                      </a:r>
+                      <a:endParaRPr lang="ru-RU" sz="2000" kern="1200">
+                        <a:solidFill>
+                          <a:schemeClr val="dk1"/>
+                        </a:solidFill>
+                        <a:effectLst/>
+                        <a:latin typeface="+mn-lt"/>
+                        <a:ea typeface="+mn-ea"/>
+                        <a:cs typeface="+mn-cs"/>
+                      </a:endParaRPr>
+                    </a:p>
+                  </a:txBody>
+                  <a:tcPr marL="68580" marR="68580" marT="0" marB="0"/>
+                </a:tc>
+                <a:tc>
+                  <a:txBody>
+                    <a:bodyPr/>
+                    <a:lstStyle/>
+                    <a:p>
+                      <a:pPr marL="0" algn="ctr" defTabSz="914400" rtl="0" eaLnBrk="1" latinLnBrk="0" hangingPunct="1">
+                        <a:spcBef>
+                          <a:spcPts val="600"/>
+                        </a:spcBef>
+                        <a:spcAft>
+                          <a:spcPts val="0"/>
+                        </a:spcAft>
+                      </a:pPr>
+                      <a:r>
+                        <a:rPr lang="en-US" sz="2000" kern="1200">
+                          <a:solidFill>
+                            <a:schemeClr val="dk1"/>
+                          </a:solidFill>
+                          <a:effectLst/>
+                          <a:latin typeface="+mn-lt"/>
+                          <a:ea typeface="+mn-ea"/>
+                          <a:cs typeface="+mn-cs"/>
+                        </a:rPr>
+                        <a:t>93.1%</a:t>
+                      </a:r>
+                      <a:endParaRPr lang="ru-RU" sz="2000" kern="1200">
+                        <a:solidFill>
+                          <a:schemeClr val="dk1"/>
+                        </a:solidFill>
+                        <a:effectLst/>
+                        <a:latin typeface="+mn-lt"/>
+                        <a:ea typeface="+mn-ea"/>
+                        <a:cs typeface="+mn-cs"/>
+                      </a:endParaRPr>
+                    </a:p>
+                  </a:txBody>
+                  <a:tcPr marL="68580" marR="68580" marT="0" marB="0"/>
+                </a:tc>
+              </a:tr>
+              <a:tr h="474933">
+                <a:tc>
+                  <a:txBody>
+                    <a:bodyPr/>
+                    <a:lstStyle/>
+                    <a:p>
+                      <a:pPr algn="ctr"/>
+                      <a:r>
+                        <a:rPr lang="ru-RU" sz="2000" kern="1200" dirty="0" smtClean="0">
+                          <a:solidFill>
+                            <a:schemeClr val="dk1"/>
+                          </a:solidFill>
+                          <a:effectLst/>
+                          <a:latin typeface="+mn-lt"/>
+                          <a:ea typeface="+mn-ea"/>
+                          <a:cs typeface="+mn-cs"/>
+                        </a:rPr>
+                        <a:t>На разных узлах</a:t>
+                      </a:r>
+                      <a:endParaRPr lang="ru-RU" sz="2000" dirty="0"/>
+                    </a:p>
+                  </a:txBody>
+                  <a:tcPr/>
+                </a:tc>
+                <a:tc>
+                  <a:txBody>
+                    <a:bodyPr/>
+                    <a:lstStyle/>
+                    <a:p>
+                      <a:pPr marL="0" algn="ctr" defTabSz="914400" rtl="0" eaLnBrk="1" latinLnBrk="0" hangingPunct="1">
+                        <a:spcBef>
+                          <a:spcPts val="600"/>
+                        </a:spcBef>
+                        <a:spcAft>
+                          <a:spcPts val="0"/>
+                        </a:spcAft>
+                      </a:pPr>
+                      <a:r>
+                        <a:rPr lang="ru-RU" sz="2000" kern="1200" dirty="0">
+                          <a:solidFill>
+                            <a:schemeClr val="dk1"/>
+                          </a:solidFill>
+                          <a:effectLst/>
+                          <a:latin typeface="+mn-lt"/>
+                          <a:ea typeface="+mn-ea"/>
+                          <a:cs typeface="+mn-cs"/>
+                        </a:rPr>
+                        <a:t>100%</a:t>
+                      </a:r>
+                    </a:p>
+                  </a:txBody>
+                  <a:tcPr marL="68580" marR="68580" marT="0" marB="0"/>
+                </a:tc>
+                <a:tc>
+                  <a:txBody>
+                    <a:bodyPr/>
+                    <a:lstStyle/>
+                    <a:p>
+                      <a:pPr marL="0" algn="ctr" defTabSz="914400" rtl="0" eaLnBrk="1" latinLnBrk="0" hangingPunct="1">
+                        <a:spcBef>
+                          <a:spcPts val="600"/>
+                        </a:spcBef>
+                        <a:spcAft>
+                          <a:spcPts val="0"/>
+                        </a:spcAft>
+                      </a:pPr>
+                      <a:r>
+                        <a:rPr lang="en-US" sz="2000" kern="1200" dirty="0">
+                          <a:solidFill>
+                            <a:schemeClr val="dk1"/>
+                          </a:solidFill>
+                          <a:effectLst/>
+                          <a:latin typeface="+mn-lt"/>
+                          <a:ea typeface="+mn-ea"/>
+                          <a:cs typeface="+mn-cs"/>
+                        </a:rPr>
+                        <a:t>99.2%</a:t>
+                      </a:r>
+                      <a:endParaRPr lang="ru-RU" sz="2000" kern="1200" dirty="0">
+                        <a:solidFill>
+                          <a:schemeClr val="dk1"/>
+                        </a:solidFill>
+                        <a:effectLst/>
+                        <a:latin typeface="+mn-lt"/>
+                        <a:ea typeface="+mn-ea"/>
+                        <a:cs typeface="+mn-cs"/>
+                      </a:endParaRPr>
+                    </a:p>
+                  </a:txBody>
+                  <a:tcPr marL="68580" marR="68580" marT="0" marB="0"/>
+                </a:tc>
+                <a:tc>
+                  <a:txBody>
+                    <a:bodyPr/>
+                    <a:lstStyle/>
+                    <a:p>
+                      <a:pPr marL="0" algn="ctr" defTabSz="914400" rtl="0" eaLnBrk="1" latinLnBrk="0" hangingPunct="1">
+                        <a:spcBef>
+                          <a:spcPts val="600"/>
+                        </a:spcBef>
+                        <a:spcAft>
+                          <a:spcPts val="0"/>
+                        </a:spcAft>
+                      </a:pPr>
+                      <a:r>
+                        <a:rPr lang="en-US" sz="2000" kern="1200" dirty="0">
+                          <a:solidFill>
+                            <a:schemeClr val="dk1"/>
+                          </a:solidFill>
+                          <a:effectLst/>
+                          <a:latin typeface="+mn-lt"/>
+                          <a:ea typeface="+mn-ea"/>
+                          <a:cs typeface="+mn-cs"/>
+                        </a:rPr>
+                        <a:t>98.3%</a:t>
+                      </a:r>
+                      <a:endParaRPr lang="ru-RU" sz="2000" kern="1200" dirty="0">
+                        <a:solidFill>
+                          <a:schemeClr val="dk1"/>
+                        </a:solidFill>
+                        <a:effectLst/>
+                        <a:latin typeface="+mn-lt"/>
+                        <a:ea typeface="+mn-ea"/>
+                        <a:cs typeface="+mn-cs"/>
+                      </a:endParaRPr>
+                    </a:p>
+                  </a:txBody>
+                  <a:tcPr marL="68580" marR="68580" marT="0" marB="0"/>
+                </a:tc>
+                <a:tc>
+                  <a:txBody>
+                    <a:bodyPr/>
+                    <a:lstStyle/>
+                    <a:p>
+                      <a:pPr marL="0" algn="ctr" defTabSz="914400" rtl="0" eaLnBrk="1" latinLnBrk="0" hangingPunct="1">
+                        <a:spcBef>
+                          <a:spcPts val="600"/>
+                        </a:spcBef>
+                        <a:spcAft>
+                          <a:spcPts val="0"/>
+                        </a:spcAft>
+                      </a:pPr>
+                      <a:r>
+                        <a:rPr lang="en-US" sz="2000" kern="1200" dirty="0">
+                          <a:solidFill>
+                            <a:schemeClr val="dk1"/>
+                          </a:solidFill>
+                          <a:effectLst/>
+                          <a:latin typeface="+mn-lt"/>
+                          <a:ea typeface="+mn-ea"/>
+                          <a:cs typeface="+mn-cs"/>
+                        </a:rPr>
+                        <a:t>98.3%</a:t>
+                      </a:r>
+                      <a:endParaRPr lang="ru-RU" sz="2000" kern="1200" dirty="0">
+                        <a:solidFill>
+                          <a:schemeClr val="dk1"/>
+                        </a:solidFill>
+                        <a:effectLst/>
+                        <a:latin typeface="+mn-lt"/>
+                        <a:ea typeface="+mn-ea"/>
+                        <a:cs typeface="+mn-cs"/>
+                      </a:endParaRPr>
+                    </a:p>
+                  </a:txBody>
+                  <a:tcPr marL="68580" marR="68580" marT="0" marB="0"/>
+                </a:tc>
+                <a:tc>
+                  <a:txBody>
+                    <a:bodyPr/>
+                    <a:lstStyle/>
+                    <a:p>
+                      <a:pPr marL="0" algn="ctr" defTabSz="914400" rtl="0" eaLnBrk="1" latinLnBrk="0" hangingPunct="1">
+                        <a:spcBef>
+                          <a:spcPts val="600"/>
+                        </a:spcBef>
+                        <a:spcAft>
+                          <a:spcPts val="0"/>
+                        </a:spcAft>
+                      </a:pPr>
+                      <a:r>
+                        <a:rPr lang="en-US" sz="2000" kern="1200" dirty="0">
+                          <a:solidFill>
+                            <a:schemeClr val="dk1"/>
+                          </a:solidFill>
+                          <a:effectLst/>
+                          <a:latin typeface="+mn-lt"/>
+                          <a:ea typeface="+mn-ea"/>
+                          <a:cs typeface="+mn-cs"/>
+                        </a:rPr>
+                        <a:t>94.6%</a:t>
+                      </a:r>
+                      <a:endParaRPr lang="ru-RU" sz="2000" kern="1200" dirty="0">
+                        <a:solidFill>
+                          <a:schemeClr val="dk1"/>
+                        </a:solidFill>
+                        <a:effectLst/>
+                        <a:latin typeface="+mn-lt"/>
+                        <a:ea typeface="+mn-ea"/>
+                        <a:cs typeface="+mn-cs"/>
+                      </a:endParaRPr>
+                    </a:p>
+                  </a:txBody>
+                  <a:tcPr marL="68580" marR="68580" marT="0" marB="0"/>
+                </a:tc>
+              </a:tr>
+            </a:tbl>
+          </a:graphicData>
+        </a:graphic>
+      </p:graphicFrame>
+      <p:sp>
+        <p:nvSpPr>
+          <p:cNvPr id="9" name="Прямоугольник 8"/>
+          <p:cNvSpPr/>
+          <p:nvPr/>
+        </p:nvSpPr>
+        <p:spPr>
+          <a:xfrm>
+            <a:off x="155327" y="5547751"/>
+            <a:ext cx="1657762" cy="369332"/>
+          </a:xfrm>
+          <a:prstGeom prst="rect">
+            <a:avLst/>
+          </a:prstGeom>
+        </p:spPr>
+        <p:txBody>
+          <a:bodyPr wrap="none">
+            <a:spAutoFit/>
+          </a:bodyPr>
+          <a:lstStyle/>
+          <a:p>
+            <a:r>
+              <a:rPr lang="ru-RU" dirty="0" smtClean="0">
+                <a:latin typeface="Times New Roman" panose="02020603050405020304" pitchFamily="18" charset="0"/>
+                <a:ea typeface="Times New Roman" panose="02020603050405020304" pitchFamily="18" charset="0"/>
+              </a:rPr>
+              <a:t>Загруженность</a:t>
+            </a:r>
+            <a:endParaRPr lang="ru-RU" dirty="0"/>
+          </a:p>
+        </p:txBody>
+      </p:sp>
+    </p:spTree>
+    <p:extLst>
+      <p:ext uri="{BB962C8B-B14F-4D97-AF65-F5344CB8AC3E}">
+        <p14:creationId xmlns:p14="http://schemas.microsoft.com/office/powerpoint/2010/main" val="4190288513"/>
+      </p:ext>
+    </p:extLst>
+  </p:cSld>
+  <p:clrMapOvr>
+    <a:masterClrMapping/>
+  </p:clrMapOvr>
+  <p:timing>
+    <p:tnLst>
+      <p:par>
+        <p:cTn id="1" dur="indefinite" restart="never" nodeType="tmRoot"/>
+      </p:par>
+    </p:tnLst>
+  </p:timing>
+</p:sld>
+</file>
+
+<file path=ppt/slides/slide16.xml><?xml version="1.0" encoding="utf-8"?>
+<p:sld xmlns:a="http://schemas.openxmlformats.org/drawingml/2006/main" xmlns:r="http://schemas.openxmlformats.org/officeDocument/2006/relationships" xmlns:p="http://schemas.openxmlformats.org/presentationml/2006/main">
+  <p:cSld>
+    <p:spTree>
+      <p:nvGrpSpPr>
+        <p:cNvPr id="1" name=""/>
+        <p:cNvGrpSpPr/>
+        <p:nvPr/>
+      </p:nvGrpSpPr>
+      <p:grpSpPr>
+        <a:xfrm>
+          <a:off x="0" y="0"/>
+          <a:ext cx="0" cy="0"/>
+          <a:chOff x="0" y="0"/>
+          <a:chExt cx="0" cy="0"/>
+        </a:xfrm>
+      </p:grpSpPr>
+      <p:sp>
+        <p:nvSpPr>
+          <p:cNvPr id="2" name="Заголовок 1"/>
+          <p:cNvSpPr>
+            <a:spLocks noGrp="1"/>
+          </p:cNvSpPr>
+          <p:nvPr>
+            <p:ph type="title"/>
+          </p:nvPr>
+        </p:nvSpPr>
+        <p:spPr/>
+        <p:txBody>
+          <a:bodyPr/>
+          <a:lstStyle/>
+          <a:p>
+            <a:r>
+              <a:rPr lang="ru-RU" dirty="0"/>
+              <a:t>Заключение</a:t>
+            </a:r>
+          </a:p>
+        </p:txBody>
+      </p:sp>
+      <p:sp>
+        <p:nvSpPr>
+          <p:cNvPr id="3" name="Объект 2"/>
+          <p:cNvSpPr>
+            <a:spLocks noGrp="1"/>
+          </p:cNvSpPr>
+          <p:nvPr>
+            <p:ph idx="1"/>
+          </p:nvPr>
+        </p:nvSpPr>
+        <p:spPr/>
+        <p:txBody>
+          <a:bodyPr/>
+          <a:lstStyle/>
+          <a:p>
+            <a:r>
+              <a:rPr lang="ru-RU" dirty="0" smtClean="0"/>
+              <a:t>Реализована последовательная и параллельная версия алгоритма аппроксимации с сложностью </a:t>
+            </a:r>
+            <a:r>
+              <a:rPr lang="en-US" dirty="0" smtClean="0"/>
+              <a:t>O(M*N)</a:t>
+            </a:r>
+            <a:r>
+              <a:rPr lang="ru-RU" dirty="0" smtClean="0"/>
+              <a:t> и </a:t>
+            </a:r>
+            <a:r>
+              <a:rPr lang="en-US" dirty="0" smtClean="0"/>
+              <a:t>O(M/numProc * N)</a:t>
+            </a:r>
+            <a:endParaRPr lang="ru-RU" dirty="0"/>
+          </a:p>
+          <a:p>
+            <a:r>
+              <a:rPr lang="ru-RU" dirty="0"/>
+              <a:t>Параллельная версия </a:t>
+            </a:r>
+            <a:r>
+              <a:rPr lang="ru-RU" dirty="0" smtClean="0"/>
+              <a:t>обладает </a:t>
+            </a:r>
+            <a:r>
+              <a:rPr lang="ru-RU" dirty="0"/>
+              <a:t>хорошей масштабируемостью </a:t>
+            </a:r>
+            <a:endParaRPr lang="ru-RU" dirty="0" smtClean="0"/>
+          </a:p>
+          <a:p>
+            <a:r>
+              <a:rPr lang="ru-RU" dirty="0" smtClean="0"/>
+              <a:t>Алгоритм опробован на практике</a:t>
+            </a:r>
+            <a:endParaRPr lang="ru-RU" dirty="0"/>
+          </a:p>
+        </p:txBody>
+      </p:sp>
+      <p:sp>
+        <p:nvSpPr>
+          <p:cNvPr id="4" name="Номер слайда 3"/>
+          <p:cNvSpPr>
+            <a:spLocks noGrp="1"/>
+          </p:cNvSpPr>
+          <p:nvPr>
+            <p:ph type="sldNum" sz="quarter" idx="12"/>
+          </p:nvPr>
+        </p:nvSpPr>
+        <p:spPr/>
+        <p:txBody>
+          <a:bodyPr/>
+          <a:lstStyle/>
+          <a:p>
+            <a:fld id="{F7F1B803-DD35-4CBD-A4B0-714F2227C35F}" type="slidenum">
+              <a:rPr lang="ru-RU" smtClean="0"/>
+              <a:t>16</a:t>
+            </a:fld>
+            <a:endParaRPr lang="ru-RU" dirty="0"/>
+          </a:p>
+        </p:txBody>
+      </p:sp>
+      <p:pic>
+        <p:nvPicPr>
+          <p:cNvPr id="5" name="Picture 3"/>
+          <p:cNvPicPr>
+            <a:picLocks noChangeAspect="1" noChangeArrowheads="1"/>
+          </p:cNvPicPr>
+          <p:nvPr/>
+        </p:nvPicPr>
+        <p:blipFill>
+          <a:blip r:embed="rId2">
+            <a:extLst>
+              <a:ext uri="{28A0092B-C50C-407E-A947-70E740481C1C}">
+                <a14:useLocalDpi xmlns:a14="http://schemas.microsoft.com/office/drawing/2010/main" val="0"/>
+              </a:ext>
+            </a:extLst>
+          </a:blip>
+          <a:srcRect/>
+          <a:stretch>
+            <a:fillRect/>
+          </a:stretch>
+        </p:blipFill>
+        <p:spPr bwMode="auto">
+          <a:xfrm>
+            <a:off x="9477806" y="185738"/>
+            <a:ext cx="2426687" cy="680733"/>
+          </a:xfrm>
+          <a:prstGeom prst="rect">
+            <a:avLst/>
+          </a:prstGeom>
+          <a:noFill/>
+          <a:ln>
+            <a:noFill/>
+          </a:ln>
+          <a:effectLst/>
+          <a:extLst>
+            <a:ext uri="{909E8E84-426E-40DD-AFC4-6F175D3DCCD1}">
+              <a14:hiddenFill xmlns:a14="http://schemas.microsoft.com/office/drawing/2010/main">
+                <a:blipFill dpi="0" rotWithShape="0">
+                  <a:blip/>
+                  <a:srcRect/>
+                  <a:stretch>
+                    <a:fillRect/>
+                  </a:stretch>
+                </a:blipFill>
+              </a14:hiddenFill>
+            </a:ext>
+            <a:ext uri="{91240B29-F687-4F45-9708-019B960494DF}">
+              <a14:hiddenLine xmlns:a14="http://schemas.microsoft.com/office/drawing/2010/main" w="9525" cap="flat">
+                <a:solidFill>
+                  <a:srgbClr val="808080"/>
+                </a:solidFill>
+                <a:round/>
+                <a:headEnd/>
+                <a:tailEnd/>
+              </a14:hiddenLine>
+            </a:ext>
+            <a:ext uri="{AF507438-7753-43E0-B8FC-AC1667EBCBE1}">
+              <a14:hiddenEffects xmlns:a14="http://schemas.microsoft.com/office/drawing/2010/main">
+                <a:effectLst>
+                  <a:outerShdw dist="35921" dir="2700000" algn="ctr" rotWithShape="0">
+                    <a:srgbClr val="808080"/>
+                  </a:outerShdw>
+                </a:effectLst>
+              </a14:hiddenEffects>
+            </a:ext>
+          </a:extLst>
+        </p:spPr>
+      </p:pic>
+    </p:spTree>
+    <p:extLst>
+      <p:ext uri="{BB962C8B-B14F-4D97-AF65-F5344CB8AC3E}">
+        <p14:creationId xmlns:p14="http://schemas.microsoft.com/office/powerpoint/2010/main" val="2673801160"/>
+      </p:ext>
+    </p:extLst>
+  </p:cSld>
+  <p:clrMapOvr>
+    <a:masterClrMapping/>
+  </p:clrMapOvr>
+  <p:timing>
+    <p:tnLst>
+      <p:par>
+        <p:cTn id="1" dur="indefinite" restart="never" nodeType="tmRoot"/>
+      </p:par>
+    </p:tnLst>
+  </p:timing>
+</p:sld>
+</file>
+
+<file path=ppt/slides/slide17.xml><?xml version="1.0" encoding="utf-8"?>
+<p:sld xmlns:a="http://schemas.openxmlformats.org/drawingml/2006/main" xmlns:r="http://schemas.openxmlformats.org/officeDocument/2006/relationships" xmlns:p="http://schemas.openxmlformats.org/presentationml/2006/main">
+  <p:cSld>
+    <p:spTree>
+      <p:nvGrpSpPr>
+        <p:cNvPr id="1" name=""/>
+        <p:cNvGrpSpPr/>
+        <p:nvPr/>
+      </p:nvGrpSpPr>
+      <p:grpSpPr>
+        <a:xfrm>
+          <a:off x="0" y="0"/>
+          <a:ext cx="0" cy="0"/>
+          <a:chOff x="0" y="0"/>
+          <a:chExt cx="0" cy="0"/>
+        </a:xfrm>
+      </p:grpSpPr>
+      <p:sp>
+        <p:nvSpPr>
+          <p:cNvPr id="2" name="Заголовок 1"/>
+          <p:cNvSpPr>
+            <a:spLocks noGrp="1"/>
+          </p:cNvSpPr>
+          <p:nvPr>
+            <p:ph type="title"/>
+          </p:nvPr>
+        </p:nvSpPr>
+        <p:spPr/>
+        <p:txBody>
+          <a:bodyPr/>
+          <a:lstStyle/>
+          <a:p>
+            <a:r>
+              <a:rPr lang="ru-RU" dirty="0"/>
+              <a:t>Литература</a:t>
+            </a:r>
+          </a:p>
+        </p:txBody>
+      </p:sp>
+      <p:sp>
+        <p:nvSpPr>
+          <p:cNvPr id="3" name="Объект 2"/>
+          <p:cNvSpPr>
+            <a:spLocks noGrp="1"/>
+          </p:cNvSpPr>
+          <p:nvPr>
+            <p:ph idx="1"/>
+          </p:nvPr>
+        </p:nvSpPr>
+        <p:spPr/>
+        <p:txBody>
+          <a:bodyPr/>
+          <a:lstStyle/>
+          <a:p>
+            <a:r>
+              <a:rPr lang="ru-RU" dirty="0"/>
+              <a:t>http://www.graphicon.ru/oldgr/grafor/gr_help/chapter_5_5</a:t>
+            </a:r>
+          </a:p>
+          <a:p>
+            <a:r>
+              <a:rPr lang="en-US" u="sng" dirty="0">
+                <a:hlinkClick r:id="rId2"/>
+              </a:rPr>
+              <a:t>http</a:t>
+            </a:r>
+            <a:r>
+              <a:rPr lang="ru-RU" u="sng" dirty="0">
+                <a:hlinkClick r:id="rId2"/>
+              </a:rPr>
+              <a:t>://</a:t>
+            </a:r>
+            <a:r>
+              <a:rPr lang="en-US" u="sng" dirty="0">
+                <a:hlinkClick r:id="rId2"/>
+              </a:rPr>
+              <a:t>www</a:t>
+            </a:r>
+            <a:r>
+              <a:rPr lang="ru-RU" u="sng" dirty="0">
+                <a:hlinkClick r:id="rId2"/>
+              </a:rPr>
+              <a:t>.</a:t>
+            </a:r>
+            <a:r>
+              <a:rPr lang="en-US" u="sng" dirty="0">
+                <a:hlinkClick r:id="rId2"/>
+              </a:rPr>
+              <a:t>math</a:t>
+            </a:r>
+            <a:r>
+              <a:rPr lang="ru-RU" u="sng" dirty="0">
+                <a:hlinkClick r:id="rId2"/>
+              </a:rPr>
+              <a:t>24.</a:t>
+            </a:r>
+            <a:r>
+              <a:rPr lang="en-US" u="sng" dirty="0">
+                <a:hlinkClick r:id="rId2"/>
+              </a:rPr>
+              <a:t>ru</a:t>
+            </a:r>
+            <a:endParaRPr lang="ru-RU" dirty="0"/>
+          </a:p>
+          <a:p>
+            <a:r>
+              <a:rPr lang="en-US" dirty="0"/>
+              <a:t>http://old.nsu.ru/education/cmet/node35.html</a:t>
+            </a:r>
+            <a:endParaRPr lang="ru-RU" dirty="0"/>
+          </a:p>
+          <a:p>
+            <a:r>
+              <a:rPr lang="en-US" dirty="0"/>
+              <a:t>https://ru.wikipedia.org/</a:t>
+            </a:r>
+            <a:endParaRPr lang="ru-RU" dirty="0"/>
+          </a:p>
+        </p:txBody>
+      </p:sp>
+      <p:sp>
+        <p:nvSpPr>
+          <p:cNvPr id="4" name="Номер слайда 3"/>
+          <p:cNvSpPr>
+            <a:spLocks noGrp="1"/>
+          </p:cNvSpPr>
+          <p:nvPr>
+            <p:ph type="sldNum" sz="quarter" idx="12"/>
+          </p:nvPr>
+        </p:nvSpPr>
+        <p:spPr/>
+        <p:txBody>
+          <a:bodyPr/>
+          <a:lstStyle/>
+          <a:p>
+            <a:fld id="{F7F1B803-DD35-4CBD-A4B0-714F2227C35F}" type="slidenum">
+              <a:rPr lang="ru-RU" smtClean="0"/>
+              <a:t>17</a:t>
+            </a:fld>
+            <a:endParaRPr lang="ru-RU" dirty="0"/>
+          </a:p>
+        </p:txBody>
+      </p:sp>
+      <p:pic>
+        <p:nvPicPr>
+          <p:cNvPr id="5" name="Picture 3"/>
+          <p:cNvPicPr>
+            <a:picLocks noChangeAspect="1" noChangeArrowheads="1"/>
+          </p:cNvPicPr>
+          <p:nvPr/>
+        </p:nvPicPr>
+        <p:blipFill>
+          <a:blip r:embed="rId3">
+            <a:extLst>
+              <a:ext uri="{28A0092B-C50C-407E-A947-70E740481C1C}">
+                <a14:useLocalDpi xmlns:a14="http://schemas.microsoft.com/office/drawing/2010/main" val="0"/>
+              </a:ext>
+            </a:extLst>
+          </a:blip>
+          <a:srcRect/>
+          <a:stretch>
+            <a:fillRect/>
+          </a:stretch>
+        </p:blipFill>
+        <p:spPr bwMode="auto">
+          <a:xfrm>
+            <a:off x="9477806" y="185738"/>
+            <a:ext cx="2426687" cy="680733"/>
+          </a:xfrm>
+          <a:prstGeom prst="rect">
+            <a:avLst/>
+          </a:prstGeom>
+          <a:noFill/>
+          <a:ln>
+            <a:noFill/>
+          </a:ln>
+          <a:effectLst/>
+          <a:extLst>
+            <a:ext uri="{909E8E84-426E-40DD-AFC4-6F175D3DCCD1}">
+              <a14:hiddenFill xmlns:a14="http://schemas.microsoft.com/office/drawing/2010/main">
+                <a:blipFill dpi="0" rotWithShape="0">
+                  <a:blip/>
+                  <a:srcRect/>
+                  <a:stretch>
+                    <a:fillRect/>
+                  </a:stretch>
+                </a:blipFill>
+              </a14:hiddenFill>
+            </a:ext>
+            <a:ext uri="{91240B29-F687-4F45-9708-019B960494DF}">
+              <a14:hiddenLine xmlns:a14="http://schemas.microsoft.com/office/drawing/2010/main" w="9525" cap="flat">
+                <a:solidFill>
+                  <a:srgbClr val="808080"/>
+                </a:solidFill>
+                <a:round/>
+                <a:headEnd/>
+                <a:tailEnd/>
+              </a14:hiddenLine>
+            </a:ext>
+            <a:ext uri="{AF507438-7753-43E0-B8FC-AC1667EBCBE1}">
+              <a14:hiddenEffects xmlns:a14="http://schemas.microsoft.com/office/drawing/2010/main">
+                <a:effectLst>
+                  <a:outerShdw dist="35921" dir="2700000" algn="ctr" rotWithShape="0">
+                    <a:srgbClr val="808080"/>
+                  </a:outerShdw>
+                </a:effectLst>
+              </a14:hiddenEffects>
+            </a:ext>
+          </a:extLst>
+        </p:spPr>
+      </p:pic>
     </p:spTree>
     <p:extLst>
       <p:ext uri="{BB962C8B-B14F-4D97-AF65-F5344CB8AC3E}">
@@ -5460,7 +7399,6 @@
               <a:rPr lang="ru-RU" dirty="0" smtClean="0"/>
               <a:t>Заключение</a:t>
             </a:r>
-            <a:endParaRPr lang="ru-RU" dirty="0" smtClean="0"/>
           </a:p>
         </p:txBody>
       </p:sp>
